--- a/pbr和npr.pptx
+++ b/pbr和npr.pptx
@@ -10,7 +10,9 @@
     <p:sldId id="258" r:id="rId4"/>
     <p:sldId id="259" r:id="rId5"/>
     <p:sldId id="260" r:id="rId6"/>
-    <p:sldId id="261" r:id="rId7"/>
+    <p:sldId id="262" r:id="rId7"/>
+    <p:sldId id="261" r:id="rId8"/>
+    <p:sldId id="263" r:id="rId9"/>
   </p:sldIdLst>
   <p:sldSz cx="12192000" cy="6858000"/>
   <p:notesSz cx="6858000" cy="9144000"/>
@@ -3443,6 +3445,26 @@
           <a:bodyPr/>
           <a:lstStyle/>
           <a:p>
+            <a:r>
+              <a:rPr lang="zh-CN" altLang="en-US" dirty="0" smtClean="0"/>
+              <a:t>传统光照模型</a:t>
+            </a:r>
+            <a:r>
+              <a:rPr lang="en-US" altLang="zh-CN" dirty="0" smtClean="0"/>
+              <a:t>·</a:t>
+            </a:r>
+            <a:r>
+              <a:rPr lang="en-US" altLang="zh-CN" dirty="0" err="1" smtClean="0"/>
+              <a:t>Blinn</a:t>
+            </a:r>
+            <a:r>
+              <a:rPr lang="en-US" altLang="zh-CN" dirty="0" err="1"/>
+              <a:t>-</a:t>
+            </a:r>
+            <a:r>
+              <a:rPr lang="en-US" altLang="zh-CN" dirty="0" err="1" smtClean="0"/>
+              <a:t>Phong</a:t>
+            </a:r>
             <a:endParaRPr lang="zh-CN" altLang="en-US" dirty="0"/>
           </a:p>
         </p:txBody>
@@ -3555,10 +3577,10 @@
             </a:r>
             <a:r>
               <a:rPr lang="en-US" altLang="zh-CN" dirty="0" smtClean="0"/>
-              <a:t>)+</a:t>
-            </a:r>
-            <a:r>
-              <a:rPr lang="zh-CN" altLang="en-US" dirty="0"/>
+              <a:t>)  +  </a:t>
+            </a:r>
+            <a:r>
+              <a:rPr lang="zh-CN" altLang="en-US" dirty="0" smtClean="0"/>
               <a:t>高</a:t>
             </a:r>
             <a:r>
@@ -3597,41 +3619,303 @@
           </a:p>
         </p:txBody>
       </p:sp>
-      <p:sp>
-        <p:nvSpPr>
-          <p:cNvPr id="3" name="文本框 2"/>
-          <p:cNvSpPr txBox="1"/>
+      <p:pic>
+        <p:nvPicPr>
+          <p:cNvPr id="12" name="图片 11"/>
+          <p:cNvPicPr>
+            <a:picLocks noChangeAspect="1"/>
+          </p:cNvPicPr>
           <p:nvPr/>
-        </p:nvSpPr>
+        </p:nvPicPr>
+        <p:blipFill>
+          <a:blip r:embed="rId3"/>
+          <a:stretch>
+            <a:fillRect/>
+          </a:stretch>
+        </p:blipFill>
         <p:spPr>
           <a:xfrm>
-            <a:off x="1213338" y="3842238"/>
-            <a:ext cx="2857500" cy="369332"/>
+            <a:off x="1009649" y="3515541"/>
+            <a:ext cx="7655173" cy="2924448"/>
           </a:xfrm>
           <a:prstGeom prst="rect">
             <a:avLst/>
           </a:prstGeom>
-          <a:noFill/>
         </p:spPr>
-        <p:txBody>
-          <a:bodyPr wrap="square" rtlCol="0">
-            <a:spAutoFit/>
-          </a:bodyPr>
-          <a:lstStyle/>
-          <a:p>
-            <a:r>
-              <a:rPr lang="zh-CN" altLang="en-US" dirty="0" smtClean="0"/>
-              <a:t>插入和</a:t>
-            </a:r>
-            <a:r>
-              <a:rPr lang="en-US" altLang="zh-CN" dirty="0" smtClean="0"/>
-              <a:t>standard</a:t>
-            </a:r>
-            <a:r>
-              <a:rPr lang="zh-CN" altLang="en-US" dirty="0" smtClean="0"/>
-              <a:t>的对比图</a:t>
-            </a:r>
-            <a:endParaRPr lang="zh-CN" altLang="en-US" dirty="0"/>
+      </p:pic>
+      <p:sp>
+        <p:nvSpPr>
+          <p:cNvPr id="13" name="矩形 12"/>
+          <p:cNvSpPr/>
+          <p:nvPr/>
+        </p:nvSpPr>
+        <p:spPr>
+          <a:xfrm>
+            <a:off x="1452907" y="2062100"/>
+            <a:ext cx="1146601" cy="497079"/>
+          </a:xfrm>
+          <a:prstGeom prst="rect">
+            <a:avLst/>
+          </a:prstGeom>
+          <a:solidFill>
+            <a:srgbClr val="5B9BD5">
+              <a:alpha val="18824"/>
+            </a:srgbClr>
+          </a:solidFill>
+        </p:spPr>
+        <p:style>
+          <a:lnRef idx="2">
+            <a:schemeClr val="accent1">
+              <a:shade val="50000"/>
+            </a:schemeClr>
+          </a:lnRef>
+          <a:fillRef idx="1">
+            <a:schemeClr val="accent1"/>
+          </a:fillRef>
+          <a:effectRef idx="0">
+            <a:schemeClr val="accent1"/>
+          </a:effectRef>
+          <a:fontRef idx="minor">
+            <a:schemeClr val="lt1"/>
+          </a:fontRef>
+        </p:style>
+        <p:txBody>
+          <a:bodyPr rtlCol="0" anchor="ctr"/>
+          <a:lstStyle/>
+          <a:p>
+            <a:pPr algn="ctr"/>
+            <a:endParaRPr lang="zh-CN" altLang="en-US"/>
+          </a:p>
+        </p:txBody>
+      </p:sp>
+      <p:sp>
+        <p:nvSpPr>
+          <p:cNvPr id="14" name="矩形 13"/>
+          <p:cNvSpPr/>
+          <p:nvPr/>
+        </p:nvSpPr>
+        <p:spPr>
+          <a:xfrm>
+            <a:off x="918794" y="2616216"/>
+            <a:ext cx="4005903" cy="497079"/>
+          </a:xfrm>
+          <a:prstGeom prst="rect">
+            <a:avLst/>
+          </a:prstGeom>
+          <a:solidFill>
+            <a:srgbClr val="5B9BD5">
+              <a:alpha val="18824"/>
+            </a:srgbClr>
+          </a:solidFill>
+        </p:spPr>
+        <p:style>
+          <a:lnRef idx="2">
+            <a:schemeClr val="accent1">
+              <a:shade val="50000"/>
+            </a:schemeClr>
+          </a:lnRef>
+          <a:fillRef idx="1">
+            <a:schemeClr val="accent1"/>
+          </a:fillRef>
+          <a:effectRef idx="0">
+            <a:schemeClr val="accent1"/>
+          </a:effectRef>
+          <a:fontRef idx="minor">
+            <a:schemeClr val="lt1"/>
+          </a:fontRef>
+        </p:style>
+        <p:txBody>
+          <a:bodyPr rtlCol="0" anchor="ctr"/>
+          <a:lstStyle/>
+          <a:p>
+            <a:pPr algn="ctr"/>
+            <a:endParaRPr lang="zh-CN" altLang="en-US"/>
+          </a:p>
+        </p:txBody>
+      </p:sp>
+      <p:sp>
+        <p:nvSpPr>
+          <p:cNvPr id="15" name="矩形 14"/>
+          <p:cNvSpPr/>
+          <p:nvPr/>
+        </p:nvSpPr>
+        <p:spPr>
+          <a:xfrm>
+            <a:off x="1241012" y="3622435"/>
+            <a:ext cx="5682302" cy="988754"/>
+          </a:xfrm>
+          <a:prstGeom prst="rect">
+            <a:avLst/>
+          </a:prstGeom>
+          <a:solidFill>
+            <a:srgbClr val="5B9BD5">
+              <a:alpha val="18824"/>
+            </a:srgbClr>
+          </a:solidFill>
+        </p:spPr>
+        <p:style>
+          <a:lnRef idx="2">
+            <a:schemeClr val="accent1">
+              <a:shade val="50000"/>
+            </a:schemeClr>
+          </a:lnRef>
+          <a:fillRef idx="1">
+            <a:schemeClr val="accent1"/>
+          </a:fillRef>
+          <a:effectRef idx="0">
+            <a:schemeClr val="accent1"/>
+          </a:effectRef>
+          <a:fontRef idx="minor">
+            <a:schemeClr val="lt1"/>
+          </a:fontRef>
+        </p:style>
+        <p:txBody>
+          <a:bodyPr rtlCol="0" anchor="ctr"/>
+          <a:lstStyle/>
+          <a:p>
+            <a:pPr algn="ctr"/>
+            <a:endParaRPr lang="zh-CN" altLang="en-US"/>
+          </a:p>
+        </p:txBody>
+      </p:sp>
+      <p:sp>
+        <p:nvSpPr>
+          <p:cNvPr id="16" name="矩形 15"/>
+          <p:cNvSpPr/>
+          <p:nvPr/>
+        </p:nvSpPr>
+        <p:spPr>
+          <a:xfrm>
+            <a:off x="2746130" y="2046121"/>
+            <a:ext cx="1633538" cy="497079"/>
+          </a:xfrm>
+          <a:prstGeom prst="rect">
+            <a:avLst/>
+          </a:prstGeom>
+          <a:solidFill>
+            <a:schemeClr val="accent6">
+              <a:lumMod val="40000"/>
+              <a:lumOff val="60000"/>
+              <a:alpha val="18824"/>
+            </a:schemeClr>
+          </a:solidFill>
+        </p:spPr>
+        <p:style>
+          <a:lnRef idx="2">
+            <a:schemeClr val="accent1">
+              <a:shade val="50000"/>
+            </a:schemeClr>
+          </a:lnRef>
+          <a:fillRef idx="1">
+            <a:schemeClr val="accent1"/>
+          </a:fillRef>
+          <a:effectRef idx="0">
+            <a:schemeClr val="accent1"/>
+          </a:effectRef>
+          <a:fontRef idx="minor">
+            <a:schemeClr val="lt1"/>
+          </a:fontRef>
+        </p:style>
+        <p:txBody>
+          <a:bodyPr rtlCol="0" anchor="ctr"/>
+          <a:lstStyle/>
+          <a:p>
+            <a:pPr algn="ctr"/>
+            <a:endParaRPr lang="zh-CN" altLang="en-US"/>
+          </a:p>
+        </p:txBody>
+      </p:sp>
+      <p:sp>
+        <p:nvSpPr>
+          <p:cNvPr id="17" name="矩形 16"/>
+          <p:cNvSpPr/>
+          <p:nvPr/>
+        </p:nvSpPr>
+        <p:spPr>
+          <a:xfrm>
+            <a:off x="5222829" y="2616216"/>
+            <a:ext cx="5236106" cy="497079"/>
+          </a:xfrm>
+          <a:prstGeom prst="rect">
+            <a:avLst/>
+          </a:prstGeom>
+          <a:solidFill>
+            <a:schemeClr val="accent6">
+              <a:lumMod val="40000"/>
+              <a:lumOff val="60000"/>
+              <a:alpha val="18824"/>
+            </a:schemeClr>
+          </a:solidFill>
+        </p:spPr>
+        <p:style>
+          <a:lnRef idx="2">
+            <a:schemeClr val="accent1">
+              <a:shade val="50000"/>
+            </a:schemeClr>
+          </a:lnRef>
+          <a:fillRef idx="1">
+            <a:schemeClr val="accent1"/>
+          </a:fillRef>
+          <a:effectRef idx="0">
+            <a:schemeClr val="accent1"/>
+          </a:effectRef>
+          <a:fontRef idx="minor">
+            <a:schemeClr val="lt1"/>
+          </a:fontRef>
+        </p:style>
+        <p:txBody>
+          <a:bodyPr rtlCol="0" anchor="ctr"/>
+          <a:lstStyle/>
+          <a:p>
+            <a:pPr algn="ctr"/>
+            <a:endParaRPr lang="zh-CN" altLang="en-US"/>
+          </a:p>
+        </p:txBody>
+      </p:sp>
+      <p:sp>
+        <p:nvSpPr>
+          <p:cNvPr id="18" name="矩形 17"/>
+          <p:cNvSpPr/>
+          <p:nvPr/>
+        </p:nvSpPr>
+        <p:spPr>
+          <a:xfrm>
+            <a:off x="1241012" y="4722419"/>
+            <a:ext cx="5682302" cy="1116678"/>
+          </a:xfrm>
+          <a:prstGeom prst="rect">
+            <a:avLst/>
+          </a:prstGeom>
+          <a:solidFill>
+            <a:schemeClr val="accent6">
+              <a:lumMod val="40000"/>
+              <a:lumOff val="60000"/>
+              <a:alpha val="18824"/>
+            </a:schemeClr>
+          </a:solidFill>
+        </p:spPr>
+        <p:style>
+          <a:lnRef idx="2">
+            <a:schemeClr val="accent1">
+              <a:shade val="50000"/>
+            </a:schemeClr>
+          </a:lnRef>
+          <a:fillRef idx="1">
+            <a:schemeClr val="accent1"/>
+          </a:fillRef>
+          <a:effectRef idx="0">
+            <a:schemeClr val="accent1"/>
+          </a:effectRef>
+          <a:fontRef idx="minor">
+            <a:schemeClr val="lt1"/>
+          </a:fontRef>
+        </p:style>
+        <p:txBody>
+          <a:bodyPr rtlCol="0" anchor="ctr"/>
+          <a:lstStyle/>
+          <a:p>
+            <a:pPr algn="ctr"/>
+            <a:endParaRPr lang="zh-CN" altLang="en-US"/>
           </a:p>
         </p:txBody>
       </p:sp>
@@ -3645,6 +3929,13 @@
   <p:clrMapOvr>
     <a:masterClrMapping/>
   </p:clrMapOvr>
+  <p:timing>
+    <p:tnLst>
+      <p:par>
+        <p:cTn id="1" dur="indefinite" restart="never" nodeType="tmRoot"/>
+      </p:par>
+    </p:tnLst>
+  </p:timing>
 </p:sld>
 </file>
 
@@ -3680,7 +3971,7 @@
           <a:bodyPr/>
           <a:lstStyle/>
           <a:p>
-            <a:endParaRPr lang="zh-CN" altLang="en-US"/>
+            <a:endParaRPr lang="zh-CN" altLang="en-US" dirty="0"/>
           </a:p>
         </p:txBody>
       </p:sp>
@@ -3699,10 +3990,34 @@
           <a:bodyPr/>
           <a:lstStyle/>
           <a:p>
-            <a:endParaRPr lang="zh-CN" altLang="en-US"/>
-          </a:p>
-        </p:txBody>
-      </p:sp>
+            <a:endParaRPr lang="zh-CN" altLang="en-US" dirty="0"/>
+          </a:p>
+        </p:txBody>
+      </p:sp>
+      <p:pic>
+        <p:nvPicPr>
+          <p:cNvPr id="4" name="图片 3"/>
+          <p:cNvPicPr>
+            <a:picLocks noChangeAspect="1"/>
+          </p:cNvPicPr>
+          <p:nvPr/>
+        </p:nvPicPr>
+        <p:blipFill>
+          <a:blip r:embed="rId2"/>
+          <a:stretch>
+            <a:fillRect/>
+          </a:stretch>
+        </p:blipFill>
+        <p:spPr>
+          <a:xfrm>
+            <a:off x="1606732" y="2762429"/>
+            <a:ext cx="7781925" cy="3057525"/>
+          </a:xfrm>
+          <a:prstGeom prst="rect">
+            <a:avLst/>
+          </a:prstGeom>
+        </p:spPr>
+      </p:pic>
     </p:spTree>
     <p:extLst>
       <p:ext uri="{BB962C8B-B14F-4D97-AF65-F5344CB8AC3E}">
@@ -3713,10 +4028,92 @@
   <p:clrMapOvr>
     <a:masterClrMapping/>
   </p:clrMapOvr>
+  <p:timing>
+    <p:tnLst>
+      <p:par>
+        <p:cTn id="1" dur="indefinite" restart="never" nodeType="tmRoot"/>
+      </p:par>
+    </p:tnLst>
+  </p:timing>
 </p:sld>
 </file>
 
 <file path=ppt/slides/slide6.xml><?xml version="1.0" encoding="utf-8"?>
+<p:sld xmlns:a="http://schemas.openxmlformats.org/drawingml/2006/main" xmlns:r="http://schemas.openxmlformats.org/officeDocument/2006/relationships" xmlns:p="http://schemas.openxmlformats.org/presentationml/2006/main">
+  <p:cSld>
+    <p:spTree>
+      <p:nvGrpSpPr>
+        <p:cNvPr id="1" name=""/>
+        <p:cNvGrpSpPr/>
+        <p:nvPr/>
+      </p:nvGrpSpPr>
+      <p:grpSpPr>
+        <a:xfrm>
+          <a:off x="0" y="0"/>
+          <a:ext cx="0" cy="0"/>
+          <a:chOff x="0" y="0"/>
+          <a:chExt cx="0" cy="0"/>
+        </a:xfrm>
+      </p:grpSpPr>
+      <p:sp>
+        <p:nvSpPr>
+          <p:cNvPr id="2" name="标题 1"/>
+          <p:cNvSpPr>
+            <a:spLocks noGrp="1"/>
+          </p:cNvSpPr>
+          <p:nvPr>
+            <p:ph type="title"/>
+          </p:nvPr>
+        </p:nvSpPr>
+        <p:spPr/>
+        <p:txBody>
+          <a:bodyPr/>
+          <a:lstStyle/>
+          <a:p>
+            <a:endParaRPr lang="zh-CN" altLang="en-US"/>
+          </a:p>
+        </p:txBody>
+      </p:sp>
+      <p:sp>
+        <p:nvSpPr>
+          <p:cNvPr id="3" name="内容占位符 2"/>
+          <p:cNvSpPr>
+            <a:spLocks noGrp="1"/>
+          </p:cNvSpPr>
+          <p:nvPr>
+            <p:ph idx="1"/>
+          </p:nvPr>
+        </p:nvSpPr>
+        <p:spPr/>
+        <p:txBody>
+          <a:bodyPr/>
+          <a:lstStyle/>
+          <a:p>
+            <a:endParaRPr lang="zh-CN" altLang="en-US"/>
+          </a:p>
+        </p:txBody>
+      </p:sp>
+    </p:spTree>
+    <p:extLst>
+      <p:ext uri="{BB962C8B-B14F-4D97-AF65-F5344CB8AC3E}">
+        <p14:creationId xmlns:p14="http://schemas.microsoft.com/office/powerpoint/2010/main" val="610239297"/>
+      </p:ext>
+    </p:extLst>
+  </p:cSld>
+  <p:clrMapOvr>
+    <a:masterClrMapping/>
+  </p:clrMapOvr>
+  <p:timing>
+    <p:tnLst>
+      <p:par>
+        <p:cTn id="1" dur="indefinite" restart="never" nodeType="tmRoot"/>
+      </p:par>
+    </p:tnLst>
+  </p:timing>
+</p:sld>
+</file>
+
+<file path=ppt/slides/slide7.xml><?xml version="1.0" encoding="utf-8"?>
 <p:sld xmlns:a="http://schemas.openxmlformats.org/drawingml/2006/main" xmlns:r="http://schemas.openxmlformats.org/officeDocument/2006/relationships" xmlns:p="http://schemas.openxmlformats.org/presentationml/2006/main">
   <p:cSld>
     <p:spTree>
@@ -3837,6 +4234,205 @@
   <p:clrMapOvr>
     <a:masterClrMapping/>
   </p:clrMapOvr>
+  <p:timing>
+    <p:tnLst>
+      <p:par>
+        <p:cTn id="1" dur="indefinite" restart="never" nodeType="tmRoot"/>
+      </p:par>
+    </p:tnLst>
+  </p:timing>
+</p:sld>
+</file>
+
+<file path=ppt/slides/slide8.xml><?xml version="1.0" encoding="utf-8"?>
+<p:sld xmlns:a="http://schemas.openxmlformats.org/drawingml/2006/main" xmlns:r="http://schemas.openxmlformats.org/officeDocument/2006/relationships" xmlns:p="http://schemas.openxmlformats.org/presentationml/2006/main">
+  <p:cSld>
+    <p:spTree>
+      <p:nvGrpSpPr>
+        <p:cNvPr id="1" name=""/>
+        <p:cNvGrpSpPr/>
+        <p:nvPr/>
+      </p:nvGrpSpPr>
+      <p:grpSpPr>
+        <a:xfrm>
+          <a:off x="0" y="0"/>
+          <a:ext cx="0" cy="0"/>
+          <a:chOff x="0" y="0"/>
+          <a:chExt cx="0" cy="0"/>
+        </a:xfrm>
+      </p:grpSpPr>
+      <p:sp>
+        <p:nvSpPr>
+          <p:cNvPr id="4" name="矩形 3"/>
+          <p:cNvSpPr/>
+          <p:nvPr/>
+        </p:nvSpPr>
+        <p:spPr>
+          <a:xfrm>
+            <a:off x="590026" y="789176"/>
+            <a:ext cx="10939243" cy="3693319"/>
+          </a:xfrm>
+          <a:prstGeom prst="rect">
+            <a:avLst/>
+          </a:prstGeom>
+        </p:spPr>
+        <p:txBody>
+          <a:bodyPr wrap="square">
+            <a:spAutoFit/>
+          </a:bodyPr>
+          <a:lstStyle/>
+          <a:p>
+            <a:r>
+              <a:rPr lang="zh-CN" altLang="en-US" dirty="0"/>
+              <a:t>unity分为两部分来做，一个是迪斯尼漫反射，还有一个是兰伯特漫反射，兰伯特漫反射更节省一些，效果并每有太大的差异迪斯尼漫反射</a:t>
+            </a:r>
+            <a:r>
+              <a:rPr lang="zh-CN" altLang="en-US" dirty="0" smtClean="0"/>
+              <a:t>：</a:t>
+            </a:r>
+            <a:endParaRPr lang="en-US" altLang="zh-CN" dirty="0" smtClean="0"/>
+          </a:p>
+          <a:p>
+            <a:r>
+              <a:rPr lang="zh-CN" altLang="en-US" dirty="0" smtClean="0"/>
+              <a:t>half </a:t>
+            </a:r>
+            <a:r>
+              <a:rPr lang="zh-CN" altLang="en-US" dirty="0"/>
+              <a:t>DisneyDiffuse(half NdotV, half NdotL, half LdotH, half perceptualRoughness</a:t>
+            </a:r>
+            <a:r>
+              <a:rPr lang="zh-CN" altLang="en-US" dirty="0" smtClean="0"/>
+              <a:t>)</a:t>
+            </a:r>
+            <a:endParaRPr lang="en-US" altLang="zh-CN" dirty="0" smtClean="0"/>
+          </a:p>
+          <a:p>
+            <a:r>
+              <a:rPr lang="zh-CN" altLang="en-US" dirty="0" smtClean="0"/>
+              <a:t>{    </a:t>
+            </a:r>
+            <a:endParaRPr lang="en-US" altLang="zh-CN" dirty="0" smtClean="0"/>
+          </a:p>
+          <a:p>
+            <a:r>
+              <a:rPr lang="zh-CN" altLang="en-US" dirty="0" smtClean="0"/>
+              <a:t>half </a:t>
+            </a:r>
+            <a:r>
+              <a:rPr lang="zh-CN" altLang="en-US" dirty="0"/>
+              <a:t>fd90 = 0.5 + 2 * LdotH * LdotH * perceptualRoughness;    </a:t>
+            </a:r>
+            <a:endParaRPr lang="en-US" altLang="zh-CN" dirty="0" smtClean="0"/>
+          </a:p>
+          <a:p>
+            <a:r>
+              <a:rPr lang="zh-CN" altLang="en-US" dirty="0" smtClean="0"/>
+              <a:t>half </a:t>
+            </a:r>
+            <a:r>
+              <a:rPr lang="zh-CN" altLang="en-US" dirty="0"/>
+              <a:t>lightScatter   = (1 + (fd90 - 1) * Pow5(1 - NdotL));    </a:t>
+            </a:r>
+            <a:endParaRPr lang="en-US" altLang="zh-CN" dirty="0" smtClean="0"/>
+          </a:p>
+          <a:p>
+            <a:r>
+              <a:rPr lang="zh-CN" altLang="en-US" dirty="0" smtClean="0"/>
+              <a:t>half </a:t>
+            </a:r>
+            <a:r>
+              <a:rPr lang="zh-CN" altLang="en-US" dirty="0"/>
+              <a:t>viewScatter    = (1 + (fd90 - 1) * Pow5(1 - NdotV));    </a:t>
+            </a:r>
+            <a:endParaRPr lang="en-US" altLang="zh-CN" dirty="0" smtClean="0"/>
+          </a:p>
+          <a:p>
+            <a:r>
+              <a:rPr lang="zh-CN" altLang="en-US" dirty="0" smtClean="0"/>
+              <a:t>return </a:t>
+            </a:r>
+            <a:r>
+              <a:rPr lang="zh-CN" altLang="en-US" dirty="0"/>
+              <a:t>lightScatter * viewScatter</a:t>
+            </a:r>
+            <a:r>
+              <a:rPr lang="zh-CN" altLang="en-US" dirty="0" smtClean="0"/>
+              <a:t>;</a:t>
+            </a:r>
+            <a:endParaRPr lang="en-US" altLang="zh-CN" dirty="0" smtClean="0"/>
+          </a:p>
+          <a:p>
+            <a:r>
+              <a:rPr lang="zh-CN" altLang="en-US" dirty="0" smtClean="0"/>
+              <a:t>}</a:t>
+            </a:r>
+            <a:endParaRPr lang="en-US" altLang="zh-CN" dirty="0" smtClean="0"/>
+          </a:p>
+          <a:p>
+            <a:r>
+              <a:rPr lang="zh-CN" altLang="en-US" dirty="0" smtClean="0"/>
+              <a:t>那么</a:t>
+            </a:r>
+            <a:r>
+              <a:rPr lang="zh-CN" altLang="en-US" dirty="0"/>
+              <a:t>得出的结果就是</a:t>
+            </a:r>
+            <a:r>
+              <a:rPr lang="zh-CN" altLang="en-US" dirty="0" smtClean="0"/>
+              <a:t>：</a:t>
+            </a:r>
+            <a:endParaRPr lang="en-US" altLang="zh-CN" dirty="0" smtClean="0"/>
+          </a:p>
+          <a:p>
+            <a:r>
+              <a:rPr lang="zh-CN" altLang="en-US" dirty="0" smtClean="0"/>
+              <a:t>directDiffuse </a:t>
+            </a:r>
+            <a:r>
+              <a:rPr lang="zh-CN" altLang="en-US" dirty="0"/>
+              <a:t>= lightScatter * viewScatter </a:t>
+            </a:r>
+            <a:r>
+              <a:rPr lang="zh-CN" altLang="en-US" dirty="0" smtClean="0"/>
+              <a:t>;</a:t>
+            </a:r>
+            <a:endParaRPr lang="en-US" altLang="zh-CN" dirty="0" smtClean="0"/>
+          </a:p>
+          <a:p>
+            <a:r>
+              <a:rPr lang="zh-CN" altLang="en-US" dirty="0" smtClean="0"/>
+              <a:t>这个</a:t>
+            </a:r>
+            <a:r>
+              <a:rPr lang="zh-CN" altLang="en-US" dirty="0"/>
+              <a:t>函数计算的结果 还需要 *NdotL*atten*LightColor,而的出来的结果其实就是漫反射系数 ，比lanbert好的一点 ，是随着粗造度的变化，效果稍有变化。directDiffuse *=  NdotL * attenColor</a:t>
+            </a:r>
+            <a:r>
+              <a:rPr lang="zh-CN" altLang="en-US" dirty="0" smtClean="0"/>
+              <a:t>;</a:t>
+            </a:r>
+            <a:endParaRPr lang="zh-CN" altLang="en-US" dirty="0"/>
+          </a:p>
+        </p:txBody>
+      </p:sp>
+    </p:spTree>
+    <p:extLst>
+      <p:ext uri="{BB962C8B-B14F-4D97-AF65-F5344CB8AC3E}">
+        <p14:creationId xmlns:p14="http://schemas.microsoft.com/office/powerpoint/2010/main" val="2038946885"/>
+      </p:ext>
+    </p:extLst>
+  </p:cSld>
+  <p:clrMapOvr>
+    <a:masterClrMapping/>
+  </p:clrMapOvr>
+  <p:timing>
+    <p:tnLst>
+      <p:par>
+        <p:cTn id="1" dur="indefinite" restart="never" nodeType="tmRoot"/>
+      </p:par>
+    </p:tnLst>
+  </p:timing>
 </p:sld>
 </file>
 

--- a/pbr和npr.pptx
+++ b/pbr和npr.pptx
@@ -6,13 +6,18 @@
   </p:sldMasterIdLst>
   <p:sldIdLst>
     <p:sldId id="256" r:id="rId2"/>
-    <p:sldId id="257" r:id="rId3"/>
-    <p:sldId id="258" r:id="rId4"/>
+    <p:sldId id="261" r:id="rId3"/>
+    <p:sldId id="257" r:id="rId4"/>
     <p:sldId id="259" r:id="rId5"/>
     <p:sldId id="260" r:id="rId6"/>
     <p:sldId id="262" r:id="rId7"/>
-    <p:sldId id="261" r:id="rId8"/>
-    <p:sldId id="263" r:id="rId9"/>
+    <p:sldId id="263" r:id="rId8"/>
+    <p:sldId id="264" r:id="rId9"/>
+    <p:sldId id="267" r:id="rId10"/>
+    <p:sldId id="265" r:id="rId11"/>
+    <p:sldId id="266" r:id="rId12"/>
+    <p:sldId id="268" r:id="rId13"/>
+    <p:sldId id="258" r:id="rId14"/>
   </p:sldIdLst>
   <p:sldSz cx="12192000" cy="6858000"/>
   <p:notesSz cx="6858000" cy="9144000"/>
@@ -250,7 +255,7 @@
           <a:p>
             <a:fld id="{1E6C1C17-F6D2-4837-9EF5-FC0DAD2A94FE}" type="datetimeFigureOut">
               <a:rPr lang="zh-CN" altLang="en-US" smtClean="0"/>
-              <a:t>2019/7/10</a:t>
+              <a:t>2019/7/11</a:t>
             </a:fld>
             <a:endParaRPr lang="zh-CN" altLang="en-US"/>
           </a:p>
@@ -420,7 +425,7 @@
           <a:p>
             <a:fld id="{1E6C1C17-F6D2-4837-9EF5-FC0DAD2A94FE}" type="datetimeFigureOut">
               <a:rPr lang="zh-CN" altLang="en-US" smtClean="0"/>
-              <a:t>2019/7/10</a:t>
+              <a:t>2019/7/11</a:t>
             </a:fld>
             <a:endParaRPr lang="zh-CN" altLang="en-US"/>
           </a:p>
@@ -600,7 +605,7 @@
           <a:p>
             <a:fld id="{1E6C1C17-F6D2-4837-9EF5-FC0DAD2A94FE}" type="datetimeFigureOut">
               <a:rPr lang="zh-CN" altLang="en-US" smtClean="0"/>
-              <a:t>2019/7/10</a:t>
+              <a:t>2019/7/11</a:t>
             </a:fld>
             <a:endParaRPr lang="zh-CN" altLang="en-US"/>
           </a:p>
@@ -770,7 +775,7 @@
           <a:p>
             <a:fld id="{1E6C1C17-F6D2-4837-9EF5-FC0DAD2A94FE}" type="datetimeFigureOut">
               <a:rPr lang="zh-CN" altLang="en-US" smtClean="0"/>
-              <a:t>2019/7/10</a:t>
+              <a:t>2019/7/11</a:t>
             </a:fld>
             <a:endParaRPr lang="zh-CN" altLang="en-US"/>
           </a:p>
@@ -1016,7 +1021,7 @@
           <a:p>
             <a:fld id="{1E6C1C17-F6D2-4837-9EF5-FC0DAD2A94FE}" type="datetimeFigureOut">
               <a:rPr lang="zh-CN" altLang="en-US" smtClean="0"/>
-              <a:t>2019/7/10</a:t>
+              <a:t>2019/7/11</a:t>
             </a:fld>
             <a:endParaRPr lang="zh-CN" altLang="en-US"/>
           </a:p>
@@ -1248,7 +1253,7 @@
           <a:p>
             <a:fld id="{1E6C1C17-F6D2-4837-9EF5-FC0DAD2A94FE}" type="datetimeFigureOut">
               <a:rPr lang="zh-CN" altLang="en-US" smtClean="0"/>
-              <a:t>2019/7/10</a:t>
+              <a:t>2019/7/11</a:t>
             </a:fld>
             <a:endParaRPr lang="zh-CN" altLang="en-US"/>
           </a:p>
@@ -1615,7 +1620,7 @@
           <a:p>
             <a:fld id="{1E6C1C17-F6D2-4837-9EF5-FC0DAD2A94FE}" type="datetimeFigureOut">
               <a:rPr lang="zh-CN" altLang="en-US" smtClean="0"/>
-              <a:t>2019/7/10</a:t>
+              <a:t>2019/7/11</a:t>
             </a:fld>
             <a:endParaRPr lang="zh-CN" altLang="en-US"/>
           </a:p>
@@ -1733,7 +1738,7 @@
           <a:p>
             <a:fld id="{1E6C1C17-F6D2-4837-9EF5-FC0DAD2A94FE}" type="datetimeFigureOut">
               <a:rPr lang="zh-CN" altLang="en-US" smtClean="0"/>
-              <a:t>2019/7/10</a:t>
+              <a:t>2019/7/11</a:t>
             </a:fld>
             <a:endParaRPr lang="zh-CN" altLang="en-US"/>
           </a:p>
@@ -1828,7 +1833,7 @@
           <a:p>
             <a:fld id="{1E6C1C17-F6D2-4837-9EF5-FC0DAD2A94FE}" type="datetimeFigureOut">
               <a:rPr lang="zh-CN" altLang="en-US" smtClean="0"/>
-              <a:t>2019/7/10</a:t>
+              <a:t>2019/7/11</a:t>
             </a:fld>
             <a:endParaRPr lang="zh-CN" altLang="en-US"/>
           </a:p>
@@ -2105,7 +2110,7 @@
           <a:p>
             <a:fld id="{1E6C1C17-F6D2-4837-9EF5-FC0DAD2A94FE}" type="datetimeFigureOut">
               <a:rPr lang="zh-CN" altLang="en-US" smtClean="0"/>
-              <a:t>2019/7/10</a:t>
+              <a:t>2019/7/11</a:t>
             </a:fld>
             <a:endParaRPr lang="zh-CN" altLang="en-US"/>
           </a:p>
@@ -2358,7 +2363,7 @@
           <a:p>
             <a:fld id="{1E6C1C17-F6D2-4837-9EF5-FC0DAD2A94FE}" type="datetimeFigureOut">
               <a:rPr lang="zh-CN" altLang="en-US" smtClean="0"/>
-              <a:t>2019/7/10</a:t>
+              <a:t>2019/7/11</a:t>
             </a:fld>
             <a:endParaRPr lang="zh-CN" altLang="en-US"/>
           </a:p>
@@ -2571,7 +2576,7 @@
           <a:p>
             <a:fld id="{1E6C1C17-F6D2-4837-9EF5-FC0DAD2A94FE}" type="datetimeFigureOut">
               <a:rPr lang="zh-CN" altLang="en-US" smtClean="0"/>
-              <a:t>2019/7/10</a:t>
+              <a:t>2019/7/11</a:t>
             </a:fld>
             <a:endParaRPr lang="zh-CN" altLang="en-US"/>
           </a:p>
@@ -3091,7 +3096,1213 @@
 </p:sld>
 </file>
 
+<file path=ppt/slides/slide10.xml><?xml version="1.0" encoding="utf-8"?>
+<p:sld xmlns:a="http://schemas.openxmlformats.org/drawingml/2006/main" xmlns:r="http://schemas.openxmlformats.org/officeDocument/2006/relationships" xmlns:p="http://schemas.openxmlformats.org/presentationml/2006/main">
+  <p:cSld>
+    <p:spTree>
+      <p:nvGrpSpPr>
+        <p:cNvPr id="1" name=""/>
+        <p:cNvGrpSpPr/>
+        <p:nvPr/>
+      </p:nvGrpSpPr>
+      <p:grpSpPr>
+        <a:xfrm>
+          <a:off x="0" y="0"/>
+          <a:ext cx="0" cy="0"/>
+          <a:chOff x="0" y="0"/>
+          <a:chExt cx="0" cy="0"/>
+        </a:xfrm>
+      </p:grpSpPr>
+      <p:sp>
+        <p:nvSpPr>
+          <p:cNvPr id="2" name="标题 1"/>
+          <p:cNvSpPr>
+            <a:spLocks noGrp="1"/>
+          </p:cNvSpPr>
+          <p:nvPr>
+            <p:ph type="title"/>
+          </p:nvPr>
+        </p:nvSpPr>
+        <p:spPr/>
+        <p:txBody>
+          <a:bodyPr/>
+          <a:lstStyle/>
+          <a:p>
+            <a:r>
+              <a:rPr lang="zh-CN" altLang="en-US" dirty="0" smtClean="0"/>
+              <a:t>球谐函数的基函数</a:t>
+            </a:r>
+            <a:endParaRPr lang="zh-CN" altLang="en-US" dirty="0"/>
+          </a:p>
+        </p:txBody>
+      </p:sp>
+      <p:pic>
+        <p:nvPicPr>
+          <p:cNvPr id="4" name="内容占位符 3"/>
+          <p:cNvPicPr>
+            <a:picLocks noGrp="1" noChangeAspect="1"/>
+          </p:cNvPicPr>
+          <p:nvPr>
+            <p:ph idx="1"/>
+          </p:nvPr>
+        </p:nvPicPr>
+        <p:blipFill rotWithShape="1">
+          <a:blip r:embed="rId2"/>
+          <a:srcRect r="92839"/>
+          <a:stretch/>
+        </p:blipFill>
+        <p:spPr>
+          <a:xfrm>
+            <a:off x="6627181" y="1690688"/>
+            <a:ext cx="505139" cy="4351338"/>
+          </a:xfrm>
+          <a:prstGeom prst="rect">
+            <a:avLst/>
+          </a:prstGeom>
+        </p:spPr>
+      </p:pic>
+      <p:pic>
+        <p:nvPicPr>
+          <p:cNvPr id="2050" name="Picture 2" descr="preview"/>
+          <p:cNvPicPr>
+            <a:picLocks noChangeAspect="1" noChangeArrowheads="1"/>
+          </p:cNvPicPr>
+          <p:nvPr/>
+        </p:nvPicPr>
+        <p:blipFill rotWithShape="1">
+          <a:blip r:embed="rId3">
+            <a:extLst>
+              <a:ext uri="{28A0092B-C50C-407E-A947-70E740481C1C}">
+                <a14:useLocalDpi xmlns:a14="http://schemas.microsoft.com/office/drawing/2010/main" val="0"/>
+              </a:ext>
+            </a:extLst>
+          </a:blip>
+          <a:srcRect t="6642" b="11419"/>
+          <a:stretch/>
+        </p:blipFill>
+        <p:spPr bwMode="auto">
+          <a:xfrm>
+            <a:off x="693106" y="1690688"/>
+            <a:ext cx="5291818" cy="3069772"/>
+          </a:xfrm>
+          <a:prstGeom prst="rect">
+            <a:avLst/>
+          </a:prstGeom>
+          <a:noFill/>
+          <a:extLst>
+            <a:ext uri="{909E8E84-426E-40DD-AFC4-6F175D3DCCD1}">
+              <a14:hiddenFill xmlns:a14="http://schemas.microsoft.com/office/drawing/2010/main">
+                <a:solidFill>
+                  <a:srgbClr val="FFFFFF"/>
+                </a:solidFill>
+              </a14:hiddenFill>
+            </a:ext>
+          </a:extLst>
+        </p:spPr>
+      </p:pic>
+      <p:pic>
+        <p:nvPicPr>
+          <p:cNvPr id="6" name="内容占位符 3"/>
+          <p:cNvPicPr>
+            <a:picLocks noChangeAspect="1"/>
+          </p:cNvPicPr>
+          <p:nvPr/>
+        </p:nvPicPr>
+        <p:blipFill rotWithShape="1">
+          <a:blip r:embed="rId2"/>
+          <a:srcRect l="47778"/>
+          <a:stretch/>
+        </p:blipFill>
+        <p:spPr>
+          <a:xfrm>
+            <a:off x="7027817" y="1690688"/>
+            <a:ext cx="3683726" cy="4351338"/>
+          </a:xfrm>
+          <a:prstGeom prst="rect">
+            <a:avLst/>
+          </a:prstGeom>
+        </p:spPr>
+      </p:pic>
+    </p:spTree>
+    <p:extLst>
+      <p:ext uri="{BB962C8B-B14F-4D97-AF65-F5344CB8AC3E}">
+        <p14:creationId xmlns:p14="http://schemas.microsoft.com/office/powerpoint/2010/main" val="2875363932"/>
+      </p:ext>
+    </p:extLst>
+  </p:cSld>
+  <p:clrMapOvr>
+    <a:masterClrMapping/>
+  </p:clrMapOvr>
+  <p:timing>
+    <p:tnLst>
+      <p:par>
+        <p:cTn id="1" dur="indefinite" restart="never" nodeType="tmRoot"/>
+      </p:par>
+    </p:tnLst>
+  </p:timing>
+</p:sld>
+</file>
+
+<file path=ppt/slides/slide11.xml><?xml version="1.0" encoding="utf-8"?>
+<p:sld xmlns:a="http://schemas.openxmlformats.org/drawingml/2006/main" xmlns:r="http://schemas.openxmlformats.org/officeDocument/2006/relationships" xmlns:p="http://schemas.openxmlformats.org/presentationml/2006/main">
+  <p:cSld>
+    <p:spTree>
+      <p:nvGrpSpPr>
+        <p:cNvPr id="1" name=""/>
+        <p:cNvGrpSpPr/>
+        <p:nvPr/>
+      </p:nvGrpSpPr>
+      <p:grpSpPr>
+        <a:xfrm>
+          <a:off x="0" y="0"/>
+          <a:ext cx="0" cy="0"/>
+          <a:chOff x="0" y="0"/>
+          <a:chExt cx="0" cy="0"/>
+        </a:xfrm>
+      </p:grpSpPr>
+      <p:pic>
+        <p:nvPicPr>
+          <p:cNvPr id="4" name="图片 3"/>
+          <p:cNvPicPr>
+            <a:picLocks noChangeAspect="1"/>
+          </p:cNvPicPr>
+          <p:nvPr/>
+        </p:nvPicPr>
+        <p:blipFill>
+          <a:blip r:embed="rId2"/>
+          <a:stretch>
+            <a:fillRect/>
+          </a:stretch>
+        </p:blipFill>
+        <p:spPr>
+          <a:xfrm>
+            <a:off x="461418" y="1498169"/>
+            <a:ext cx="4371975" cy="5267325"/>
+          </a:xfrm>
+          <a:prstGeom prst="rect">
+            <a:avLst/>
+          </a:prstGeom>
+        </p:spPr>
+      </p:pic>
+      <p:pic>
+        <p:nvPicPr>
+          <p:cNvPr id="5" name="图片 4"/>
+          <p:cNvPicPr>
+            <a:picLocks noChangeAspect="1"/>
+          </p:cNvPicPr>
+          <p:nvPr/>
+        </p:nvPicPr>
+        <p:blipFill>
+          <a:blip r:embed="rId3"/>
+          <a:stretch>
+            <a:fillRect/>
+          </a:stretch>
+        </p:blipFill>
+        <p:spPr>
+          <a:xfrm>
+            <a:off x="5784668" y="0"/>
+            <a:ext cx="5838825" cy="6877050"/>
+          </a:xfrm>
+          <a:prstGeom prst="rect">
+            <a:avLst/>
+          </a:prstGeom>
+        </p:spPr>
+      </p:pic>
+      <p:cxnSp>
+        <p:nvCxnSpPr>
+          <p:cNvPr id="7" name="直接箭头连接符 6"/>
+          <p:cNvCxnSpPr/>
+          <p:nvPr/>
+        </p:nvCxnSpPr>
+        <p:spPr>
+          <a:xfrm>
+            <a:off x="3566160" y="2717074"/>
+            <a:ext cx="2218508" cy="26126"/>
+          </a:xfrm>
+          <a:prstGeom prst="straightConnector1">
+            <a:avLst/>
+          </a:prstGeom>
+          <a:ln>
+            <a:tailEnd type="triangle"/>
+          </a:ln>
+        </p:spPr>
+        <p:style>
+          <a:lnRef idx="1">
+            <a:schemeClr val="accent1"/>
+          </a:lnRef>
+          <a:fillRef idx="0">
+            <a:schemeClr val="accent1"/>
+          </a:fillRef>
+          <a:effectRef idx="0">
+            <a:schemeClr val="accent1"/>
+          </a:effectRef>
+          <a:fontRef idx="minor">
+            <a:schemeClr val="tx1"/>
+          </a:fontRef>
+        </p:style>
+      </p:cxnSp>
+      <p:cxnSp>
+        <p:nvCxnSpPr>
+          <p:cNvPr id="9" name="直接箭头连接符 8"/>
+          <p:cNvCxnSpPr/>
+          <p:nvPr/>
+        </p:nvCxnSpPr>
+        <p:spPr>
+          <a:xfrm>
+            <a:off x="3030583" y="5460274"/>
+            <a:ext cx="2754085" cy="13063"/>
+          </a:xfrm>
+          <a:prstGeom prst="straightConnector1">
+            <a:avLst/>
+          </a:prstGeom>
+          <a:ln>
+            <a:tailEnd type="triangle"/>
+          </a:ln>
+        </p:spPr>
+        <p:style>
+          <a:lnRef idx="1">
+            <a:schemeClr val="accent1"/>
+          </a:lnRef>
+          <a:fillRef idx="0">
+            <a:schemeClr val="accent1"/>
+          </a:fillRef>
+          <a:effectRef idx="0">
+            <a:schemeClr val="accent1"/>
+          </a:effectRef>
+          <a:fontRef idx="minor">
+            <a:schemeClr val="tx1"/>
+          </a:fontRef>
+        </p:style>
+      </p:cxnSp>
+      <p:sp>
+        <p:nvSpPr>
+          <p:cNvPr id="14" name="文本框 13"/>
+          <p:cNvSpPr txBox="1"/>
+          <p:nvPr/>
+        </p:nvSpPr>
+        <p:spPr>
+          <a:xfrm>
+            <a:off x="783771" y="705394"/>
+            <a:ext cx="1800493" cy="369332"/>
+          </a:xfrm>
+          <a:prstGeom prst="rect">
+            <a:avLst/>
+          </a:prstGeom>
+          <a:noFill/>
+        </p:spPr>
+        <p:txBody>
+          <a:bodyPr wrap="none" rtlCol="0">
+            <a:spAutoFit/>
+          </a:bodyPr>
+          <a:lstStyle/>
+          <a:p>
+            <a:r>
+              <a:rPr lang="zh-CN" altLang="en-US" dirty="0" smtClean="0"/>
+              <a:t>编码及解码函数</a:t>
+            </a:r>
+            <a:endParaRPr lang="zh-CN" altLang="en-US" dirty="0"/>
+          </a:p>
+        </p:txBody>
+      </p:sp>
+    </p:spTree>
+    <p:extLst>
+      <p:ext uri="{BB962C8B-B14F-4D97-AF65-F5344CB8AC3E}">
+        <p14:creationId xmlns:p14="http://schemas.microsoft.com/office/powerpoint/2010/main" val="415883551"/>
+      </p:ext>
+    </p:extLst>
+  </p:cSld>
+  <p:clrMapOvr>
+    <a:masterClrMapping/>
+  </p:clrMapOvr>
+  <p:timing>
+    <p:tnLst>
+      <p:par>
+        <p:cTn id="1" dur="indefinite" restart="never" nodeType="tmRoot"/>
+      </p:par>
+    </p:tnLst>
+  </p:timing>
+</p:sld>
+</file>
+
+<file path=ppt/slides/slide12.xml><?xml version="1.0" encoding="utf-8"?>
+<p:sld xmlns:a="http://schemas.openxmlformats.org/drawingml/2006/main" xmlns:r="http://schemas.openxmlformats.org/officeDocument/2006/relationships" xmlns:p="http://schemas.openxmlformats.org/presentationml/2006/main">
+  <p:cSld>
+    <p:spTree>
+      <p:nvGrpSpPr>
+        <p:cNvPr id="1" name=""/>
+        <p:cNvGrpSpPr/>
+        <p:nvPr/>
+      </p:nvGrpSpPr>
+      <p:grpSpPr>
+        <a:xfrm>
+          <a:off x="0" y="0"/>
+          <a:ext cx="0" cy="0"/>
+          <a:chOff x="0" y="0"/>
+          <a:chExt cx="0" cy="0"/>
+        </a:xfrm>
+      </p:grpSpPr>
+      <p:sp>
+        <p:nvSpPr>
+          <p:cNvPr id="2" name="标题 1"/>
+          <p:cNvSpPr>
+            <a:spLocks noGrp="1"/>
+          </p:cNvSpPr>
+          <p:nvPr>
+            <p:ph type="title"/>
+          </p:nvPr>
+        </p:nvSpPr>
+        <p:spPr/>
+        <p:txBody>
+          <a:bodyPr/>
+          <a:lstStyle/>
+          <a:p>
+            <a:r>
+              <a:rPr lang="en-US" altLang="zh-CN" dirty="0" err="1" smtClean="0"/>
+              <a:t>Phong</a:t>
+            </a:r>
+            <a:r>
+              <a:rPr lang="zh-CN" altLang="en-US" dirty="0" smtClean="0"/>
+              <a:t>和</a:t>
+            </a:r>
+            <a:r>
+              <a:rPr lang="en-US" altLang="zh-CN" dirty="0" err="1" smtClean="0"/>
+              <a:t>Blinn-Phong</a:t>
+            </a:r>
+            <a:r>
+              <a:rPr lang="zh-CN" altLang="en-US" dirty="0" smtClean="0"/>
+              <a:t>的区别</a:t>
+            </a:r>
+            <a:endParaRPr lang="zh-CN" altLang="en-US" dirty="0"/>
+          </a:p>
+        </p:txBody>
+      </p:sp>
+      <p:sp>
+        <p:nvSpPr>
+          <p:cNvPr id="3" name="内容占位符 2"/>
+          <p:cNvSpPr>
+            <a:spLocks noGrp="1"/>
+          </p:cNvSpPr>
+          <p:nvPr>
+            <p:ph idx="1"/>
+          </p:nvPr>
+        </p:nvSpPr>
+        <p:spPr/>
+        <p:txBody>
+          <a:bodyPr/>
+          <a:lstStyle/>
+          <a:p>
+            <a:r>
+              <a:rPr lang="en-US" altLang="zh-CN" dirty="0" err="1" smtClean="0"/>
+              <a:t>Phong</a:t>
+            </a:r>
+            <a:r>
+              <a:rPr lang="zh-CN" altLang="en-US" dirty="0" smtClean="0"/>
+              <a:t>模型在视线和反射光的角度超过</a:t>
+            </a:r>
+            <a:r>
+              <a:rPr lang="en-US" altLang="zh-CN" dirty="0" smtClean="0"/>
+              <a:t>90</a:t>
+            </a:r>
+            <a:r>
+              <a:rPr lang="zh-CN" altLang="en-US" dirty="0" smtClean="0"/>
+              <a:t>时表现异常</a:t>
+            </a:r>
+            <a:endParaRPr lang="zh-CN" altLang="en-US" dirty="0"/>
+          </a:p>
+        </p:txBody>
+      </p:sp>
+      <p:pic>
+        <p:nvPicPr>
+          <p:cNvPr id="4098" name="Picture 2" descr="http://learnopengl.com/img/advanced-lighting/advanced_lighting_comparrison.png"/>
+          <p:cNvPicPr>
+            <a:picLocks noChangeAspect="1" noChangeArrowheads="1"/>
+          </p:cNvPicPr>
+          <p:nvPr/>
+        </p:nvPicPr>
+        <p:blipFill>
+          <a:blip r:embed="rId2">
+            <a:extLst>
+              <a:ext uri="{28A0092B-C50C-407E-A947-70E740481C1C}">
+                <a14:useLocalDpi xmlns:a14="http://schemas.microsoft.com/office/drawing/2010/main" val="0"/>
+              </a:ext>
+            </a:extLst>
+          </a:blip>
+          <a:srcRect/>
+          <a:stretch>
+            <a:fillRect/>
+          </a:stretch>
+        </p:blipFill>
+        <p:spPr bwMode="auto">
+          <a:xfrm>
+            <a:off x="4648200" y="4042523"/>
+            <a:ext cx="7620000" cy="3000376"/>
+          </a:xfrm>
+          <a:prstGeom prst="rect">
+            <a:avLst/>
+          </a:prstGeom>
+          <a:noFill/>
+          <a:extLst>
+            <a:ext uri="{909E8E84-426E-40DD-AFC4-6F175D3DCCD1}">
+              <a14:hiddenFill xmlns:a14="http://schemas.microsoft.com/office/drawing/2010/main">
+                <a:solidFill>
+                  <a:srgbClr val="FFFFFF"/>
+                </a:solidFill>
+              </a14:hiddenFill>
+            </a:ext>
+          </a:extLst>
+        </p:spPr>
+      </p:pic>
+      <p:pic>
+        <p:nvPicPr>
+          <p:cNvPr id="4100" name="Picture 4" descr="http://learnopengl.com/img/advanced-lighting/advanced_lighting_over_90.png"/>
+          <p:cNvPicPr>
+            <a:picLocks noChangeAspect="1" noChangeArrowheads="1"/>
+          </p:cNvPicPr>
+          <p:nvPr/>
+        </p:nvPicPr>
+        <p:blipFill>
+          <a:blip r:embed="rId3">
+            <a:extLst>
+              <a:ext uri="{28A0092B-C50C-407E-A947-70E740481C1C}">
+                <a14:useLocalDpi xmlns:a14="http://schemas.microsoft.com/office/drawing/2010/main" val="0"/>
+              </a:ext>
+            </a:extLst>
+          </a:blip>
+          <a:srcRect/>
+          <a:stretch>
+            <a:fillRect/>
+          </a:stretch>
+        </p:blipFill>
+        <p:spPr bwMode="auto">
+          <a:xfrm>
+            <a:off x="207828" y="2397941"/>
+            <a:ext cx="7620000" cy="2686051"/>
+          </a:xfrm>
+          <a:prstGeom prst="rect">
+            <a:avLst/>
+          </a:prstGeom>
+          <a:noFill/>
+          <a:extLst>
+            <a:ext uri="{909E8E84-426E-40DD-AFC4-6F175D3DCCD1}">
+              <a14:hiddenFill xmlns:a14="http://schemas.microsoft.com/office/drawing/2010/main">
+                <a:solidFill>
+                  <a:srgbClr val="FFFFFF"/>
+                </a:solidFill>
+              </a14:hiddenFill>
+            </a:ext>
+          </a:extLst>
+        </p:spPr>
+      </p:pic>
+    </p:spTree>
+    <p:extLst>
+      <p:ext uri="{BB962C8B-B14F-4D97-AF65-F5344CB8AC3E}">
+        <p14:creationId xmlns:p14="http://schemas.microsoft.com/office/powerpoint/2010/main" val="3197984955"/>
+      </p:ext>
+    </p:extLst>
+  </p:cSld>
+  <p:clrMapOvr>
+    <a:masterClrMapping/>
+  </p:clrMapOvr>
+  <p:timing>
+    <p:tnLst>
+      <p:par>
+        <p:cTn id="1" dur="indefinite" restart="never" nodeType="tmRoot"/>
+      </p:par>
+    </p:tnLst>
+  </p:timing>
+</p:sld>
+</file>
+
+<file path=ppt/slides/slide13.xml><?xml version="1.0" encoding="utf-8"?>
+<p:sld xmlns:a="http://schemas.openxmlformats.org/drawingml/2006/main" xmlns:r="http://schemas.openxmlformats.org/officeDocument/2006/relationships" xmlns:p="http://schemas.openxmlformats.org/presentationml/2006/main">
+  <p:cSld>
+    <p:spTree>
+      <p:nvGrpSpPr>
+        <p:cNvPr id="1" name=""/>
+        <p:cNvGrpSpPr/>
+        <p:nvPr/>
+      </p:nvGrpSpPr>
+      <p:grpSpPr>
+        <a:xfrm>
+          <a:off x="0" y="0"/>
+          <a:ext cx="0" cy="0"/>
+          <a:chOff x="0" y="0"/>
+          <a:chExt cx="0" cy="0"/>
+        </a:xfrm>
+      </p:grpSpPr>
+      <p:sp>
+        <p:nvSpPr>
+          <p:cNvPr id="2" name="标题 1"/>
+          <p:cNvSpPr>
+            <a:spLocks noGrp="1"/>
+          </p:cNvSpPr>
+          <p:nvPr>
+            <p:ph type="title"/>
+          </p:nvPr>
+        </p:nvSpPr>
+        <p:spPr/>
+        <p:txBody>
+          <a:bodyPr/>
+          <a:lstStyle/>
+          <a:p>
+            <a:r>
+              <a:rPr lang="en-US" altLang="zh-CN" dirty="0" smtClean="0"/>
+              <a:t>HDR</a:t>
+            </a:r>
+            <a:endParaRPr lang="zh-CN" altLang="en-US" dirty="0"/>
+          </a:p>
+        </p:txBody>
+      </p:sp>
+      <p:sp>
+        <p:nvSpPr>
+          <p:cNvPr id="3" name="内容占位符 2"/>
+          <p:cNvSpPr>
+            <a:spLocks noGrp="1"/>
+          </p:cNvSpPr>
+          <p:nvPr>
+            <p:ph idx="1"/>
+          </p:nvPr>
+        </p:nvSpPr>
+        <p:spPr/>
+        <p:txBody>
+          <a:bodyPr/>
+          <a:lstStyle/>
+          <a:p>
+            <a:endParaRPr lang="zh-CN" altLang="en-US"/>
+          </a:p>
+        </p:txBody>
+      </p:sp>
+      <p:pic>
+        <p:nvPicPr>
+          <p:cNvPr id="2050" name="Picture 2" descr="A scene using High Dynamic Range. The sunlight reflecting in the car window appears far brighter than other objects in the scene, because it has been processed using HDR"/>
+          <p:cNvPicPr>
+            <a:picLocks noChangeAspect="1" noChangeArrowheads="1"/>
+          </p:cNvPicPr>
+          <p:nvPr/>
+        </p:nvPicPr>
+        <p:blipFill>
+          <a:blip r:embed="rId2">
+            <a:extLst>
+              <a:ext uri="{28A0092B-C50C-407E-A947-70E740481C1C}">
+                <a14:useLocalDpi xmlns:a14="http://schemas.microsoft.com/office/drawing/2010/main" val="0"/>
+              </a:ext>
+            </a:extLst>
+          </a:blip>
+          <a:srcRect/>
+          <a:stretch>
+            <a:fillRect/>
+          </a:stretch>
+        </p:blipFill>
+        <p:spPr bwMode="auto">
+          <a:xfrm>
+            <a:off x="1500798" y="2201862"/>
+            <a:ext cx="6096000" cy="3276601"/>
+          </a:xfrm>
+          <a:prstGeom prst="rect">
+            <a:avLst/>
+          </a:prstGeom>
+          <a:noFill/>
+          <a:extLst>
+            <a:ext uri="{909E8E84-426E-40DD-AFC4-6F175D3DCCD1}">
+              <a14:hiddenFill xmlns:a14="http://schemas.microsoft.com/office/drawing/2010/main">
+                <a:solidFill>
+                  <a:srgbClr val="FFFFFF"/>
+                </a:solidFill>
+              </a14:hiddenFill>
+            </a:ext>
+          </a:extLst>
+        </p:spPr>
+      </p:pic>
+    </p:spTree>
+    <p:extLst>
+      <p:ext uri="{BB962C8B-B14F-4D97-AF65-F5344CB8AC3E}">
+        <p14:creationId xmlns:p14="http://schemas.microsoft.com/office/powerpoint/2010/main" val="19385218"/>
+      </p:ext>
+    </p:extLst>
+  </p:cSld>
+  <p:clrMapOvr>
+    <a:masterClrMapping/>
+  </p:clrMapOvr>
+  <p:timing>
+    <p:tnLst>
+      <p:par>
+        <p:cTn id="1" dur="indefinite" restart="never" nodeType="tmRoot"/>
+      </p:par>
+    </p:tnLst>
+  </p:timing>
+</p:sld>
+</file>
+
 <file path=ppt/slides/slide2.xml><?xml version="1.0" encoding="utf-8"?>
+<p:sld xmlns:a="http://schemas.openxmlformats.org/drawingml/2006/main" xmlns:r="http://schemas.openxmlformats.org/officeDocument/2006/relationships" xmlns:p="http://schemas.openxmlformats.org/presentationml/2006/main">
+  <p:cSld>
+    <p:spTree>
+      <p:nvGrpSpPr>
+        <p:cNvPr id="1" name=""/>
+        <p:cNvGrpSpPr/>
+        <p:nvPr/>
+      </p:nvGrpSpPr>
+      <p:grpSpPr>
+        <a:xfrm>
+          <a:off x="0" y="0"/>
+          <a:ext cx="0" cy="0"/>
+          <a:chOff x="0" y="0"/>
+          <a:chExt cx="0" cy="0"/>
+        </a:xfrm>
+      </p:grpSpPr>
+      <p:sp>
+        <p:nvSpPr>
+          <p:cNvPr id="2" name="标题 1"/>
+          <p:cNvSpPr>
+            <a:spLocks noGrp="1"/>
+          </p:cNvSpPr>
+          <p:nvPr>
+            <p:ph type="title"/>
+          </p:nvPr>
+        </p:nvSpPr>
+        <p:spPr/>
+        <p:txBody>
+          <a:bodyPr/>
+          <a:lstStyle/>
+          <a:p>
+            <a:r>
+              <a:rPr lang="zh-CN" altLang="en-US" dirty="0" smtClean="0"/>
+              <a:t>传统光照模型</a:t>
+            </a:r>
+            <a:endParaRPr lang="zh-CN" altLang="en-US" dirty="0"/>
+          </a:p>
+        </p:txBody>
+      </p:sp>
+      <mc:AlternateContent xmlns:mc="http://schemas.openxmlformats.org/markup-compatibility/2006">
+        <mc:Choice xmlns:a14="http://schemas.microsoft.com/office/drawing/2010/main" Requires="a14">
+          <p:sp>
+            <p:nvSpPr>
+              <p:cNvPr id="3" name="内容占位符 2"/>
+              <p:cNvSpPr>
+                <a:spLocks noGrp="1"/>
+              </p:cNvSpPr>
+              <p:nvPr>
+                <p:ph idx="1"/>
+              </p:nvPr>
+            </p:nvSpPr>
+            <p:spPr/>
+            <p:txBody>
+              <a:bodyPr/>
+              <a:lstStyle/>
+              <a:p>
+                <a:r>
+                  <a:rPr lang="en-US" altLang="zh-CN" dirty="0" smtClean="0"/>
+                  <a:t>Lambert    1760</a:t>
+                </a:r>
+                <a:r>
+                  <a:rPr lang="zh-CN" altLang="en-US" dirty="0" smtClean="0"/>
+                  <a:t>年，漫反射光</a:t>
+                </a:r>
+                <a:r>
+                  <a:rPr lang="en-US" altLang="zh-CN" dirty="0" smtClean="0"/>
+                  <a:t>	 	</a:t>
+                </a:r>
+                <a:r>
+                  <a:rPr lang="zh-CN" altLang="en-US" dirty="0" smtClean="0"/>
+                  <a:t>  </a:t>
+                </a:r>
+                <a14:m>
+                  <m:oMath xmlns:m="http://schemas.openxmlformats.org/officeDocument/2006/math">
+                    <m:r>
+                      <a:rPr lang="en-US" altLang="zh-CN" b="0" i="1" smtClean="0">
+                        <a:latin typeface="Cambria Math" panose="02040503050406030204" pitchFamily="18" charset="0"/>
+                      </a:rPr>
+                      <m:t>𝐶</m:t>
+                    </m:r>
+                    <m:r>
+                      <a:rPr lang="en-US" altLang="zh-CN" b="0" i="1" smtClean="0">
+                        <a:latin typeface="Cambria Math" panose="02040503050406030204" pitchFamily="18" charset="0"/>
+                      </a:rPr>
+                      <m:t>=</m:t>
+                    </m:r>
+                    <m:r>
+                      <a:rPr lang="en-US" altLang="zh-CN" b="0" i="1" smtClean="0">
+                        <a:latin typeface="Cambria Math" panose="02040503050406030204" pitchFamily="18" charset="0"/>
+                      </a:rPr>
+                      <m:t>𝑁</m:t>
+                    </m:r>
+                    <m:r>
+                      <a:rPr lang="en-US" altLang="zh-CN" b="0" i="1" smtClean="0">
+                        <a:latin typeface="Cambria Math" panose="02040503050406030204" pitchFamily="18" charset="0"/>
+                      </a:rPr>
+                      <m:t>∗</m:t>
+                    </m:r>
+                    <m:r>
+                      <a:rPr lang="en-US" altLang="zh-CN" b="0" i="1" smtClean="0">
+                        <a:latin typeface="Cambria Math" panose="02040503050406030204" pitchFamily="18" charset="0"/>
+                      </a:rPr>
+                      <m:t>𝐿</m:t>
+                    </m:r>
+                  </m:oMath>
+                </a14:m>
+                <a:endParaRPr lang="en-US" altLang="zh-CN" dirty="0" smtClean="0"/>
+              </a:p>
+              <a:p>
+                <a:r>
+                  <a:rPr lang="en-US" altLang="zh-CN" dirty="0" err="1" smtClean="0"/>
+                  <a:t>P</a:t>
+                </a:r>
+                <a:r>
+                  <a:rPr lang="en-US" altLang="zh-CN" dirty="0" err="1" smtClean="0"/>
+                  <a:t>hong</a:t>
+                </a:r>
+                <a:r>
+                  <a:rPr lang="en-US" altLang="zh-CN" dirty="0" smtClean="0"/>
+                  <a:t>   1973</a:t>
+                </a:r>
+                <a:r>
+                  <a:rPr lang="zh-CN" altLang="en-US" dirty="0" smtClean="0"/>
+                  <a:t>年，漫反射</a:t>
+                </a:r>
+                <a:r>
+                  <a:rPr lang="en-US" altLang="zh-CN" dirty="0" smtClean="0"/>
+                  <a:t>+</a:t>
+                </a:r>
+                <a:r>
+                  <a:rPr lang="zh-CN" altLang="en-US" dirty="0" smtClean="0"/>
+                  <a:t>镜面反射  </a:t>
+                </a:r>
+                <a:r>
+                  <a:rPr lang="en-US" altLang="zh-CN" dirty="0" smtClean="0"/>
+                  <a:t>	  </a:t>
+                </a:r>
+                <a14:m>
+                  <m:oMath xmlns:m="http://schemas.openxmlformats.org/officeDocument/2006/math">
+                    <m:r>
+                      <a:rPr lang="en-US" altLang="zh-CN" b="0" i="1" smtClean="0">
+                        <a:latin typeface="Cambria Math" panose="02040503050406030204" pitchFamily="18" charset="0"/>
+                      </a:rPr>
+                      <m:t>𝐶</m:t>
+                    </m:r>
+                    <m:r>
+                      <a:rPr lang="en-US" altLang="zh-CN" b="0" i="1" smtClean="0">
+                        <a:latin typeface="Cambria Math" panose="02040503050406030204" pitchFamily="18" charset="0"/>
+                      </a:rPr>
+                      <m:t>=</m:t>
+                    </m:r>
+                    <m:r>
+                      <a:rPr lang="en-US" altLang="zh-CN" b="0" i="1" smtClean="0">
+                        <a:latin typeface="Cambria Math" panose="02040503050406030204" pitchFamily="18" charset="0"/>
+                      </a:rPr>
+                      <m:t>𝑁</m:t>
+                    </m:r>
+                    <m:r>
+                      <a:rPr lang="en-US" altLang="zh-CN" b="0" i="1" smtClean="0">
+                        <a:latin typeface="Cambria Math" panose="02040503050406030204" pitchFamily="18" charset="0"/>
+                      </a:rPr>
+                      <m:t>∗</m:t>
+                    </m:r>
+                    <m:r>
+                      <a:rPr lang="en-US" altLang="zh-CN" b="0" i="1" smtClean="0">
+                        <a:latin typeface="Cambria Math" panose="02040503050406030204" pitchFamily="18" charset="0"/>
+                      </a:rPr>
+                      <m:t>𝐿</m:t>
+                    </m:r>
+                    <m:r>
+                      <a:rPr lang="en-US" altLang="zh-CN" b="0" i="1" smtClean="0">
+                        <a:latin typeface="Cambria Math" panose="02040503050406030204" pitchFamily="18" charset="0"/>
+                      </a:rPr>
+                      <m:t>+ </m:t>
+                    </m:r>
+                    <m:sSup>
+                      <m:sSupPr>
+                        <m:ctrlPr>
+                          <a:rPr lang="en-US" altLang="zh-CN" b="0" i="1" smtClean="0">
+                            <a:latin typeface="Cambria Math" panose="02040503050406030204" pitchFamily="18" charset="0"/>
+                          </a:rPr>
+                        </m:ctrlPr>
+                      </m:sSupPr>
+                      <m:e>
+                        <m:r>
+                          <a:rPr lang="en-US" altLang="zh-CN" b="0" i="1" smtClean="0">
+                            <a:latin typeface="Cambria Math" panose="02040503050406030204" pitchFamily="18" charset="0"/>
+                          </a:rPr>
+                          <m:t>(</m:t>
+                        </m:r>
+                        <m:r>
+                          <a:rPr lang="en-US" altLang="zh-CN" b="0" i="1" smtClean="0">
+                            <a:latin typeface="Cambria Math" panose="02040503050406030204" pitchFamily="18" charset="0"/>
+                          </a:rPr>
+                          <m:t>𝑉</m:t>
+                        </m:r>
+                        <m:r>
+                          <a:rPr lang="en-US" altLang="zh-CN" b="0" i="1" smtClean="0">
+                            <a:latin typeface="Cambria Math" panose="02040503050406030204" pitchFamily="18" charset="0"/>
+                          </a:rPr>
+                          <m:t>∗</m:t>
+                        </m:r>
+                        <m:r>
+                          <a:rPr lang="en-US" altLang="zh-CN" b="0" i="1" smtClean="0">
+                            <a:latin typeface="Cambria Math" panose="02040503050406030204" pitchFamily="18" charset="0"/>
+                          </a:rPr>
+                          <m:t>𝑅</m:t>
+                        </m:r>
+                        <m:r>
+                          <a:rPr lang="en-US" altLang="zh-CN" b="0" i="1" smtClean="0">
+                            <a:latin typeface="Cambria Math" panose="02040503050406030204" pitchFamily="18" charset="0"/>
+                          </a:rPr>
+                          <m:t>)</m:t>
+                        </m:r>
+                      </m:e>
+                      <m:sup>
+                        <m:r>
+                          <a:rPr lang="en-US" altLang="zh-CN" b="0" i="1" smtClean="0">
+                            <a:latin typeface="Cambria Math" panose="02040503050406030204" pitchFamily="18" charset="0"/>
+                          </a:rPr>
+                          <m:t>𝑠</m:t>
+                        </m:r>
+                      </m:sup>
+                    </m:sSup>
+                  </m:oMath>
+                </a14:m>
+                <a:endParaRPr lang="en-US" altLang="zh-CN" dirty="0" smtClean="0"/>
+              </a:p>
+              <a:p>
+                <a:r>
+                  <a:rPr lang="en-US" altLang="zh-CN" dirty="0" err="1" smtClean="0"/>
+                  <a:t>Blinn-Phong</a:t>
+                </a:r>
+                <a:r>
+                  <a:rPr lang="en-US" altLang="zh-CN" dirty="0" smtClean="0"/>
+                  <a:t> 1977</a:t>
+                </a:r>
+                <a:r>
+                  <a:rPr lang="zh-CN" altLang="en-US" dirty="0" smtClean="0"/>
+                  <a:t>年 </a:t>
+                </a:r>
+                <a:r>
+                  <a:rPr lang="en-US" altLang="zh-CN" dirty="0"/>
+                  <a:t>	</a:t>
+                </a:r>
+                <a:r>
+                  <a:rPr lang="en-US" altLang="zh-CN" dirty="0" smtClean="0"/>
+                  <a:t>      </a:t>
+                </a:r>
+                <a:r>
+                  <a:rPr lang="zh-CN" altLang="en-US" dirty="0" smtClean="0"/>
+                  <a:t> </a:t>
+                </a:r>
+                <a14:m>
+                  <m:oMath xmlns:m="http://schemas.openxmlformats.org/officeDocument/2006/math">
+                    <m:r>
+                      <m:rPr>
+                        <m:sty m:val="p"/>
+                      </m:rPr>
+                      <a:rPr lang="en-US" altLang="zh-CN" dirty="0">
+                        <a:latin typeface="Cambria Math" panose="02040503050406030204" pitchFamily="18" charset="0"/>
+                      </a:rPr>
+                      <m:t>H</m:t>
+                    </m:r>
+                    <m:r>
+                      <a:rPr lang="en-US" altLang="zh-CN" b="0" i="0" dirty="0" smtClean="0">
+                        <a:latin typeface="Cambria Math" panose="02040503050406030204" pitchFamily="18" charset="0"/>
+                      </a:rPr>
+                      <m:t>=</m:t>
+                    </m:r>
+                    <m:f>
+                      <m:fPr>
+                        <m:ctrlPr>
+                          <a:rPr lang="en-US" altLang="zh-CN" b="0" i="1" dirty="0" smtClean="0">
+                            <a:latin typeface="Cambria Math" panose="02040503050406030204" pitchFamily="18" charset="0"/>
+                          </a:rPr>
+                        </m:ctrlPr>
+                      </m:fPr>
+                      <m:num>
+                        <m:r>
+                          <a:rPr lang="en-US" altLang="zh-CN" b="0" i="1" dirty="0" smtClean="0">
+                            <a:latin typeface="Cambria Math" panose="02040503050406030204" pitchFamily="18" charset="0"/>
+                          </a:rPr>
+                          <m:t>𝐿</m:t>
+                        </m:r>
+                        <m:r>
+                          <a:rPr lang="en-US" altLang="zh-CN" b="0" i="1" dirty="0" smtClean="0">
+                            <a:latin typeface="Cambria Math" panose="02040503050406030204" pitchFamily="18" charset="0"/>
+                          </a:rPr>
+                          <m:t>+</m:t>
+                        </m:r>
+                        <m:r>
+                          <a:rPr lang="en-US" altLang="zh-CN" b="0" i="1" dirty="0" smtClean="0">
+                            <a:latin typeface="Cambria Math" panose="02040503050406030204" pitchFamily="18" charset="0"/>
+                          </a:rPr>
+                          <m:t>𝑉</m:t>
+                        </m:r>
+                      </m:num>
+                      <m:den>
+                        <m:d>
+                          <m:dPr>
+                            <m:begChr m:val="‖"/>
+                            <m:endChr m:val="‖"/>
+                            <m:ctrlPr>
+                              <a:rPr lang="en-US" altLang="zh-CN" b="0" i="1" dirty="0" smtClean="0">
+                                <a:latin typeface="Cambria Math" panose="02040503050406030204" pitchFamily="18" charset="0"/>
+                              </a:rPr>
+                            </m:ctrlPr>
+                          </m:dPr>
+                          <m:e>
+                            <m:r>
+                              <a:rPr lang="en-US" altLang="zh-CN" b="0" i="1" dirty="0" smtClean="0">
+                                <a:latin typeface="Cambria Math" panose="02040503050406030204" pitchFamily="18" charset="0"/>
+                              </a:rPr>
+                              <m:t>𝐿</m:t>
+                            </m:r>
+                            <m:r>
+                              <a:rPr lang="en-US" altLang="zh-CN" b="0" i="1" dirty="0" smtClean="0">
+                                <a:latin typeface="Cambria Math" panose="02040503050406030204" pitchFamily="18" charset="0"/>
+                              </a:rPr>
+                              <m:t>+</m:t>
+                            </m:r>
+                            <m:r>
+                              <a:rPr lang="en-US" altLang="zh-CN" b="0" i="1" dirty="0" smtClean="0">
+                                <a:latin typeface="Cambria Math" panose="02040503050406030204" pitchFamily="18" charset="0"/>
+                              </a:rPr>
+                              <m:t>𝑉</m:t>
+                            </m:r>
+                          </m:e>
+                        </m:d>
+                      </m:den>
+                    </m:f>
+                  </m:oMath>
+                </a14:m>
+                <a:r>
+                  <a:rPr lang="zh-CN" altLang="en-US" dirty="0" smtClean="0"/>
+                  <a:t>        </a:t>
+                </a:r>
+                <a14:m>
+                  <m:oMath xmlns:m="http://schemas.openxmlformats.org/officeDocument/2006/math">
+                    <m:r>
+                      <a:rPr lang="en-US" altLang="zh-CN" i="1">
+                        <a:latin typeface="Cambria Math" panose="02040503050406030204" pitchFamily="18" charset="0"/>
+                      </a:rPr>
+                      <m:t>𝐶</m:t>
+                    </m:r>
+                    <m:r>
+                      <a:rPr lang="en-US" altLang="zh-CN" i="1">
+                        <a:latin typeface="Cambria Math" panose="02040503050406030204" pitchFamily="18" charset="0"/>
+                      </a:rPr>
+                      <m:t>=</m:t>
+                    </m:r>
+                    <m:r>
+                      <a:rPr lang="en-US" altLang="zh-CN" i="1">
+                        <a:latin typeface="Cambria Math" panose="02040503050406030204" pitchFamily="18" charset="0"/>
+                      </a:rPr>
+                      <m:t>𝑁</m:t>
+                    </m:r>
+                    <m:r>
+                      <a:rPr lang="en-US" altLang="zh-CN" i="1">
+                        <a:latin typeface="Cambria Math" panose="02040503050406030204" pitchFamily="18" charset="0"/>
+                      </a:rPr>
+                      <m:t>∗</m:t>
+                    </m:r>
+                    <m:r>
+                      <a:rPr lang="en-US" altLang="zh-CN" i="1">
+                        <a:latin typeface="Cambria Math" panose="02040503050406030204" pitchFamily="18" charset="0"/>
+                      </a:rPr>
+                      <m:t>𝐿</m:t>
+                    </m:r>
+                    <m:r>
+                      <a:rPr lang="en-US" altLang="zh-CN" i="1">
+                        <a:latin typeface="Cambria Math" panose="02040503050406030204" pitchFamily="18" charset="0"/>
+                      </a:rPr>
+                      <m:t>+ </m:t>
+                    </m:r>
+                    <m:sSup>
+                      <m:sSupPr>
+                        <m:ctrlPr>
+                          <a:rPr lang="en-US" altLang="zh-CN" i="1">
+                            <a:latin typeface="Cambria Math" panose="02040503050406030204" pitchFamily="18" charset="0"/>
+                          </a:rPr>
+                        </m:ctrlPr>
+                      </m:sSupPr>
+                      <m:e>
+                        <m:r>
+                          <a:rPr lang="en-US" altLang="zh-CN" i="1">
+                            <a:latin typeface="Cambria Math" panose="02040503050406030204" pitchFamily="18" charset="0"/>
+                          </a:rPr>
+                          <m:t>(</m:t>
+                        </m:r>
+                        <m:r>
+                          <a:rPr lang="en-US" altLang="zh-CN" i="1">
+                            <a:latin typeface="Cambria Math" panose="02040503050406030204" pitchFamily="18" charset="0"/>
+                          </a:rPr>
+                          <m:t>𝑁</m:t>
+                        </m:r>
+                        <m:r>
+                          <a:rPr lang="en-US" altLang="zh-CN" i="1">
+                            <a:latin typeface="Cambria Math" panose="02040503050406030204" pitchFamily="18" charset="0"/>
+                          </a:rPr>
+                          <m:t>∗</m:t>
+                        </m:r>
+                        <m:r>
+                          <a:rPr lang="en-US" altLang="zh-CN" b="0" i="1" smtClean="0">
+                            <a:latin typeface="Cambria Math" panose="02040503050406030204" pitchFamily="18" charset="0"/>
+                          </a:rPr>
+                          <m:t>𝐻</m:t>
+                        </m:r>
+                        <m:r>
+                          <a:rPr lang="en-US" altLang="zh-CN" i="1">
+                            <a:latin typeface="Cambria Math" panose="02040503050406030204" pitchFamily="18" charset="0"/>
+                          </a:rPr>
+                          <m:t>)</m:t>
+                        </m:r>
+                      </m:e>
+                      <m:sup>
+                        <m:r>
+                          <a:rPr lang="en-US" altLang="zh-CN" i="1">
+                            <a:latin typeface="Cambria Math" panose="02040503050406030204" pitchFamily="18" charset="0"/>
+                          </a:rPr>
+                          <m:t>𝑠</m:t>
+                        </m:r>
+                      </m:sup>
+                    </m:sSup>
+                  </m:oMath>
+                </a14:m>
+                <a:endParaRPr lang="zh-CN" altLang="en-US" dirty="0"/>
+              </a:p>
+            </p:txBody>
+          </p:sp>
+        </mc:Choice>
+        <mc:Fallback>
+          <p:sp>
+            <p:nvSpPr>
+              <p:cNvPr id="3" name="内容占位符 2"/>
+              <p:cNvSpPr>
+                <a:spLocks noGrp="1" noRot="1" noChangeAspect="1" noMove="1" noResize="1" noEditPoints="1" noAdjustHandles="1" noChangeArrowheads="1" noChangeShapeType="1" noTextEdit="1"/>
+              </p:cNvSpPr>
+              <p:nvPr>
+                <p:ph idx="1"/>
+              </p:nvPr>
+            </p:nvSpPr>
+            <p:spPr>
+              <a:blipFill>
+                <a:blip r:embed="rId2"/>
+                <a:stretch>
+                  <a:fillRect l="-1043" t="-2381"/>
+                </a:stretch>
+              </a:blipFill>
+            </p:spPr>
+            <p:txBody>
+              <a:bodyPr/>
+              <a:lstStyle/>
+              <a:p>
+                <a:r>
+                  <a:rPr lang="zh-CN" altLang="en-US">
+                    <a:noFill/>
+                  </a:rPr>
+                  <a:t> </a:t>
+                </a:r>
+              </a:p>
+            </p:txBody>
+          </p:sp>
+        </mc:Fallback>
+      </mc:AlternateContent>
+      <p:pic>
+        <p:nvPicPr>
+          <p:cNvPr id="4" name="Picture 2" descr="https://img-blog.csdn.net/20180110151541696?watermark/2/text/aHR0cDovL2Jsb2cuY3Nkbi5uZXQvdl94Y2hlbl92/font/5a6L5L2T/fontsize/400/fill/I0JBQkFCMA==/dissolve/70/gravity/SouthEast"/>
+          <p:cNvPicPr>
+            <a:picLocks noChangeAspect="1" noChangeArrowheads="1"/>
+          </p:cNvPicPr>
+          <p:nvPr/>
+        </p:nvPicPr>
+        <p:blipFill>
+          <a:blip r:embed="rId3">
+            <a:extLst>
+              <a:ext uri="{28A0092B-C50C-407E-A947-70E740481C1C}">
+                <a14:useLocalDpi xmlns:a14="http://schemas.microsoft.com/office/drawing/2010/main" val="0"/>
+              </a:ext>
+            </a:extLst>
+          </a:blip>
+          <a:srcRect/>
+          <a:stretch>
+            <a:fillRect/>
+          </a:stretch>
+        </p:blipFill>
+        <p:spPr bwMode="auto">
+          <a:xfrm>
+            <a:off x="-14242" y="4584277"/>
+            <a:ext cx="7620000" cy="2228850"/>
+          </a:xfrm>
+          <a:prstGeom prst="rect">
+            <a:avLst/>
+          </a:prstGeom>
+          <a:noFill/>
+          <a:extLst>
+            <a:ext uri="{909E8E84-426E-40DD-AFC4-6F175D3DCCD1}">
+              <a14:hiddenFill xmlns:a14="http://schemas.microsoft.com/office/drawing/2010/main">
+                <a:solidFill>
+                  <a:srgbClr val="FFFFFF"/>
+                </a:solidFill>
+              </a14:hiddenFill>
+            </a:ext>
+          </a:extLst>
+        </p:spPr>
+      </p:pic>
+      <p:pic>
+        <p:nvPicPr>
+          <p:cNvPr id="3074" name="Picture 2" descr="preview"/>
+          <p:cNvPicPr>
+            <a:picLocks noChangeAspect="1" noChangeArrowheads="1"/>
+          </p:cNvPicPr>
+          <p:nvPr/>
+        </p:nvPicPr>
+        <p:blipFill>
+          <a:blip r:embed="rId4">
+            <a:extLst>
+              <a:ext uri="{28A0092B-C50C-407E-A947-70E740481C1C}">
+                <a14:useLocalDpi xmlns:a14="http://schemas.microsoft.com/office/drawing/2010/main" val="0"/>
+              </a:ext>
+            </a:extLst>
+          </a:blip>
+          <a:srcRect/>
+          <a:stretch>
+            <a:fillRect/>
+          </a:stretch>
+        </p:blipFill>
+        <p:spPr bwMode="auto">
+          <a:xfrm>
+            <a:off x="7366272" y="4584277"/>
+            <a:ext cx="4981575" cy="1981201"/>
+          </a:xfrm>
+          <a:prstGeom prst="rect">
+            <a:avLst/>
+          </a:prstGeom>
+          <a:noFill/>
+          <a:extLst>
+            <a:ext uri="{909E8E84-426E-40DD-AFC4-6F175D3DCCD1}">
+              <a14:hiddenFill xmlns:a14="http://schemas.microsoft.com/office/drawing/2010/main">
+                <a:solidFill>
+                  <a:srgbClr val="FFFFFF"/>
+                </a:solidFill>
+              </a14:hiddenFill>
+            </a:ext>
+          </a:extLst>
+        </p:spPr>
+      </p:pic>
+    </p:spTree>
+    <p:extLst>
+      <p:ext uri="{BB962C8B-B14F-4D97-AF65-F5344CB8AC3E}">
+        <p14:creationId xmlns:p14="http://schemas.microsoft.com/office/powerpoint/2010/main" val="1399512157"/>
+      </p:ext>
+    </p:extLst>
+  </p:cSld>
+  <p:clrMapOvr>
+    <a:masterClrMapping/>
+  </p:clrMapOvr>
+  <p:timing>
+    <p:tnLst>
+      <p:par>
+        <p:cTn id="1" dur="indefinite" restart="never" nodeType="tmRoot"/>
+      </p:par>
+    </p:tnLst>
+  </p:timing>
+</p:sld>
+</file>
+
+<file path=ppt/slides/slide3.xml><?xml version="1.0" encoding="utf-8"?>
 <p:sld xmlns:a="http://schemas.openxmlformats.org/drawingml/2006/main" xmlns:r="http://schemas.openxmlformats.org/officeDocument/2006/relationships" xmlns:p="http://schemas.openxmlformats.org/presentationml/2006/main">
   <p:cSld>
     <p:spTree>
@@ -3297,119 +4508,13 @@
   <p:clrMapOvr>
     <a:masterClrMapping/>
   </p:clrMapOvr>
-</p:sld>
-</file>
-
-<file path=ppt/slides/slide3.xml><?xml version="1.0" encoding="utf-8"?>
-<p:sld xmlns:a="http://schemas.openxmlformats.org/drawingml/2006/main" xmlns:r="http://schemas.openxmlformats.org/officeDocument/2006/relationships" xmlns:p="http://schemas.openxmlformats.org/presentationml/2006/main">
-  <p:cSld>
-    <p:spTree>
-      <p:nvGrpSpPr>
-        <p:cNvPr id="1" name=""/>
-        <p:cNvGrpSpPr/>
-        <p:nvPr/>
-      </p:nvGrpSpPr>
-      <p:grpSpPr>
-        <a:xfrm>
-          <a:off x="0" y="0"/>
-          <a:ext cx="0" cy="0"/>
-          <a:chOff x="0" y="0"/>
-          <a:chExt cx="0" cy="0"/>
-        </a:xfrm>
-      </p:grpSpPr>
-      <p:sp>
-        <p:nvSpPr>
-          <p:cNvPr id="2" name="标题 1"/>
-          <p:cNvSpPr>
-            <a:spLocks noGrp="1"/>
-          </p:cNvSpPr>
-          <p:nvPr>
-            <p:ph type="title"/>
-          </p:nvPr>
-        </p:nvSpPr>
-        <p:spPr/>
-        <p:txBody>
-          <a:bodyPr/>
-          <a:lstStyle/>
-          <a:p>
-            <a:r>
-              <a:rPr lang="en-US" altLang="zh-CN" dirty="0" smtClean="0"/>
-              <a:t>HDR</a:t>
-            </a:r>
-            <a:endParaRPr lang="zh-CN" altLang="en-US" dirty="0"/>
-          </a:p>
-        </p:txBody>
-      </p:sp>
-      <p:sp>
-        <p:nvSpPr>
-          <p:cNvPr id="3" name="内容占位符 2"/>
-          <p:cNvSpPr>
-            <a:spLocks noGrp="1"/>
-          </p:cNvSpPr>
-          <p:nvPr>
-            <p:ph idx="1"/>
-          </p:nvPr>
-        </p:nvSpPr>
-        <p:spPr/>
-        <p:txBody>
-          <a:bodyPr/>
-          <a:lstStyle/>
-          <a:p>
-            <a:endParaRPr lang="zh-CN" altLang="en-US"/>
-          </a:p>
-        </p:txBody>
-      </p:sp>
-      <p:pic>
-        <p:nvPicPr>
-          <p:cNvPr id="2050" name="Picture 2" descr="A scene using High Dynamic Range. The sunlight reflecting in the car window appears far brighter than other objects in the scene, because it has been processed using HDR"/>
-          <p:cNvPicPr>
-            <a:picLocks noChangeAspect="1" noChangeArrowheads="1"/>
-          </p:cNvPicPr>
-          <p:nvPr/>
-        </p:nvPicPr>
-        <p:blipFill>
-          <a:blip r:embed="rId2">
-            <a:extLst>
-              <a:ext uri="{28A0092B-C50C-407E-A947-70E740481C1C}">
-                <a14:useLocalDpi xmlns:a14="http://schemas.microsoft.com/office/drawing/2010/main" val="0"/>
-              </a:ext>
-            </a:extLst>
-          </a:blip>
-          <a:srcRect/>
-          <a:stretch>
-            <a:fillRect/>
-          </a:stretch>
-        </p:blipFill>
-        <p:spPr bwMode="auto">
-          <a:xfrm>
-            <a:off x="1500798" y="2201862"/>
-            <a:ext cx="6096000" cy="3276601"/>
-          </a:xfrm>
-          <a:prstGeom prst="rect">
-            <a:avLst/>
-          </a:prstGeom>
-          <a:noFill/>
-          <a:extLst>
-            <a:ext uri="{909E8E84-426E-40DD-AFC4-6F175D3DCCD1}">
-              <a14:hiddenFill xmlns:a14="http://schemas.microsoft.com/office/drawing/2010/main">
-                <a:solidFill>
-                  <a:srgbClr val="FFFFFF"/>
-                </a:solidFill>
-              </a14:hiddenFill>
-            </a:ext>
-          </a:extLst>
-        </p:spPr>
-      </p:pic>
-    </p:spTree>
-    <p:extLst>
-      <p:ext uri="{BB962C8B-B14F-4D97-AF65-F5344CB8AC3E}">
-        <p14:creationId xmlns:p14="http://schemas.microsoft.com/office/powerpoint/2010/main" val="19385218"/>
-      </p:ext>
-    </p:extLst>
-  </p:cSld>
-  <p:clrMapOvr>
-    <a:masterClrMapping/>
-  </p:clrMapOvr>
+  <p:timing>
+    <p:tnLst>
+      <p:par>
+        <p:cTn id="1" dur="indefinite" restart="never" nodeType="tmRoot"/>
+      </p:par>
+    </p:tnLst>
+  </p:timing>
 </p:sld>
 </file>
 
@@ -3581,11 +4686,7 @@
             </a:r>
             <a:r>
               <a:rPr lang="zh-CN" altLang="en-US" dirty="0" smtClean="0"/>
-              <a:t>高</a:t>
-            </a:r>
-            <a:r>
-              <a:rPr lang="zh-CN" altLang="en-US" dirty="0" smtClean="0"/>
-              <a:t>光颜色</a:t>
+              <a:t>高光颜色</a:t>
             </a:r>
             <a:r>
               <a:rPr lang="en-US" altLang="zh-CN" dirty="0" smtClean="0"/>
@@ -4132,102 +5233,163 @@
       </p:grpSpPr>
       <p:sp>
         <p:nvSpPr>
-          <p:cNvPr id="2" name="标题 1"/>
-          <p:cNvSpPr>
-            <a:spLocks noGrp="1"/>
-          </p:cNvSpPr>
-          <p:nvPr>
-            <p:ph type="title"/>
-          </p:nvPr>
-        </p:nvSpPr>
-        <p:spPr/>
-        <p:txBody>
-          <a:bodyPr/>
-          <a:lstStyle/>
-          <a:p>
-            <a:r>
-              <a:rPr lang="zh-CN" altLang="en-US" dirty="0" smtClean="0"/>
-              <a:t>传统光照模型</a:t>
-            </a:r>
-            <a:endParaRPr lang="zh-CN" altLang="en-US" dirty="0"/>
-          </a:p>
-        </p:txBody>
-      </p:sp>
-      <p:sp>
-        <p:nvSpPr>
-          <p:cNvPr id="3" name="内容占位符 2"/>
-          <p:cNvSpPr>
-            <a:spLocks noGrp="1"/>
-          </p:cNvSpPr>
-          <p:nvPr>
-            <p:ph idx="1"/>
-          </p:nvPr>
-        </p:nvSpPr>
-        <p:spPr/>
-        <p:txBody>
-          <a:bodyPr/>
-          <a:lstStyle/>
-          <a:p>
-            <a:r>
-              <a:rPr lang="en-US" altLang="zh-CN" dirty="0" err="1" smtClean="0"/>
-              <a:t>Phong</a:t>
-            </a:r>
-            <a:endParaRPr lang="en-US" altLang="zh-CN" dirty="0" smtClean="0"/>
-          </a:p>
-          <a:p>
-            <a:r>
-              <a:rPr lang="en-US" altLang="zh-CN" dirty="0" err="1"/>
-              <a:t>Blinn-phong</a:t>
-            </a:r>
-            <a:endParaRPr lang="zh-CN" altLang="en-US" dirty="0"/>
-          </a:p>
-        </p:txBody>
-      </p:sp>
-      <p:pic>
-        <p:nvPicPr>
-          <p:cNvPr id="4" name="Picture 2" descr="https://img-blog.csdn.net/20180110151541696?watermark/2/text/aHR0cDovL2Jsb2cuY3Nkbi5uZXQvdl94Y2hlbl92/font/5a6L5L2T/fontsize/400/fill/I0JBQkFCMA==/dissolve/70/gravity/SouthEast"/>
-          <p:cNvPicPr>
-            <a:picLocks noChangeAspect="1" noChangeArrowheads="1"/>
-          </p:cNvPicPr>
+          <p:cNvPr id="4" name="矩形 3"/>
+          <p:cNvSpPr/>
           <p:nvPr/>
-        </p:nvPicPr>
-        <p:blipFill>
-          <a:blip r:embed="rId2">
-            <a:extLst>
-              <a:ext uri="{28A0092B-C50C-407E-A947-70E740481C1C}">
-                <a14:useLocalDpi xmlns:a14="http://schemas.microsoft.com/office/drawing/2010/main" val="0"/>
-              </a:ext>
-            </a:extLst>
-          </a:blip>
-          <a:srcRect/>
-          <a:stretch>
-            <a:fillRect/>
-          </a:stretch>
-        </p:blipFill>
-        <p:spPr bwMode="auto">
+        </p:nvSpPr>
+        <p:spPr>
           <a:xfrm>
-            <a:off x="3197714" y="3722565"/>
-            <a:ext cx="7620000" cy="2228850"/>
+            <a:off x="590026" y="789176"/>
+            <a:ext cx="10939243" cy="3693319"/>
           </a:xfrm>
           <a:prstGeom prst="rect">
             <a:avLst/>
           </a:prstGeom>
-          <a:noFill/>
-          <a:extLst>
-            <a:ext uri="{909E8E84-426E-40DD-AFC4-6F175D3DCCD1}">
-              <a14:hiddenFill xmlns:a14="http://schemas.microsoft.com/office/drawing/2010/main">
-                <a:solidFill>
-                  <a:srgbClr val="FFFFFF"/>
-                </a:solidFill>
-              </a14:hiddenFill>
-            </a:ext>
-          </a:extLst>
         </p:spPr>
-      </p:pic>
+        <p:txBody>
+          <a:bodyPr wrap="square">
+            <a:spAutoFit/>
+          </a:bodyPr>
+          <a:lstStyle/>
+          <a:p>
+            <a:r>
+              <a:rPr lang="zh-CN" altLang="en-US" dirty="0"/>
+              <a:t>unity分为两部分来做，一个是迪斯尼漫反射，还有一个是兰伯特漫反射，兰伯特漫反射更节省一些，效果并每有太大的差异迪斯尼漫反射</a:t>
+            </a:r>
+            <a:r>
+              <a:rPr lang="zh-CN" altLang="en-US" dirty="0" smtClean="0"/>
+              <a:t>：</a:t>
+            </a:r>
+            <a:endParaRPr lang="en-US" altLang="zh-CN" dirty="0" smtClean="0"/>
+          </a:p>
+          <a:p>
+            <a:r>
+              <a:rPr lang="zh-CN" altLang="en-US" dirty="0" smtClean="0"/>
+              <a:t>half </a:t>
+            </a:r>
+            <a:r>
+              <a:rPr lang="zh-CN" altLang="en-US" dirty="0"/>
+              <a:t>DisneyDiffuse(half NdotV, half NdotL, half LdotH, half perceptualRoughness</a:t>
+            </a:r>
+            <a:r>
+              <a:rPr lang="zh-CN" altLang="en-US" dirty="0" smtClean="0"/>
+              <a:t>)</a:t>
+            </a:r>
+            <a:endParaRPr lang="en-US" altLang="zh-CN" dirty="0" smtClean="0"/>
+          </a:p>
+          <a:p>
+            <a:r>
+              <a:rPr lang="zh-CN" altLang="en-US" dirty="0" smtClean="0"/>
+              <a:t>{    </a:t>
+            </a:r>
+            <a:endParaRPr lang="en-US" altLang="zh-CN" dirty="0" smtClean="0"/>
+          </a:p>
+          <a:p>
+            <a:r>
+              <a:rPr lang="zh-CN" altLang="en-US" dirty="0" smtClean="0"/>
+              <a:t>half </a:t>
+            </a:r>
+            <a:r>
+              <a:rPr lang="zh-CN" altLang="en-US" dirty="0"/>
+              <a:t>fd90 = 0.5 + 2 * LdotH * LdotH * perceptualRoughness;    </a:t>
+            </a:r>
+            <a:endParaRPr lang="en-US" altLang="zh-CN" dirty="0" smtClean="0"/>
+          </a:p>
+          <a:p>
+            <a:r>
+              <a:rPr lang="zh-CN" altLang="en-US" dirty="0" smtClean="0"/>
+              <a:t>half </a:t>
+            </a:r>
+            <a:r>
+              <a:rPr lang="zh-CN" altLang="en-US" dirty="0"/>
+              <a:t>lightScatter   = (1 + (fd90 - 1) * Pow5(1 - NdotL));    </a:t>
+            </a:r>
+            <a:endParaRPr lang="en-US" altLang="zh-CN" dirty="0" smtClean="0"/>
+          </a:p>
+          <a:p>
+            <a:r>
+              <a:rPr lang="zh-CN" altLang="en-US" dirty="0" smtClean="0"/>
+              <a:t>half </a:t>
+            </a:r>
+            <a:r>
+              <a:rPr lang="zh-CN" altLang="en-US" dirty="0"/>
+              <a:t>viewScatter    = (1 + (fd90 - 1) * Pow5(1 - NdotV));    </a:t>
+            </a:r>
+            <a:endParaRPr lang="en-US" altLang="zh-CN" dirty="0" smtClean="0"/>
+          </a:p>
+          <a:p>
+            <a:r>
+              <a:rPr lang="zh-CN" altLang="en-US" dirty="0" smtClean="0"/>
+              <a:t>return </a:t>
+            </a:r>
+            <a:r>
+              <a:rPr lang="zh-CN" altLang="en-US" dirty="0"/>
+              <a:t>lightScatter * viewScatter</a:t>
+            </a:r>
+            <a:r>
+              <a:rPr lang="zh-CN" altLang="en-US" dirty="0" smtClean="0"/>
+              <a:t>;</a:t>
+            </a:r>
+            <a:endParaRPr lang="en-US" altLang="zh-CN" dirty="0" smtClean="0"/>
+          </a:p>
+          <a:p>
+            <a:r>
+              <a:rPr lang="zh-CN" altLang="en-US" dirty="0" smtClean="0"/>
+              <a:t>}</a:t>
+            </a:r>
+            <a:endParaRPr lang="en-US" altLang="zh-CN" dirty="0" smtClean="0"/>
+          </a:p>
+          <a:p>
+            <a:r>
+              <a:rPr lang="zh-CN" altLang="en-US" dirty="0" smtClean="0"/>
+              <a:t>那么</a:t>
+            </a:r>
+            <a:r>
+              <a:rPr lang="zh-CN" altLang="en-US" dirty="0"/>
+              <a:t>得出的结果就是</a:t>
+            </a:r>
+            <a:r>
+              <a:rPr lang="zh-CN" altLang="en-US" dirty="0" smtClean="0"/>
+              <a:t>：</a:t>
+            </a:r>
+            <a:endParaRPr lang="en-US" altLang="zh-CN" dirty="0" smtClean="0"/>
+          </a:p>
+          <a:p>
+            <a:r>
+              <a:rPr lang="zh-CN" altLang="en-US" dirty="0" smtClean="0"/>
+              <a:t>directDiffuse </a:t>
+            </a:r>
+            <a:r>
+              <a:rPr lang="zh-CN" altLang="en-US" dirty="0"/>
+              <a:t>= lightScatter * viewScatter </a:t>
+            </a:r>
+            <a:r>
+              <a:rPr lang="zh-CN" altLang="en-US" dirty="0" smtClean="0"/>
+              <a:t>;</a:t>
+            </a:r>
+            <a:endParaRPr lang="en-US" altLang="zh-CN" dirty="0" smtClean="0"/>
+          </a:p>
+          <a:p>
+            <a:r>
+              <a:rPr lang="zh-CN" altLang="en-US" dirty="0" smtClean="0"/>
+              <a:t>这个</a:t>
+            </a:r>
+            <a:r>
+              <a:rPr lang="zh-CN" altLang="en-US" dirty="0"/>
+              <a:t>函数计算的结果 还需要 *NdotL*atten*LightColor,而的出来的结果其实就是漫反射系数 ，比lanbert好的一点 ，是随着粗造度的变化，效果稍有变化。directDiffuse *=  NdotL * attenColor</a:t>
+            </a:r>
+            <a:r>
+              <a:rPr lang="zh-CN" altLang="en-US" dirty="0" smtClean="0"/>
+              <a:t>;</a:t>
+            </a:r>
+            <a:endParaRPr lang="zh-CN" altLang="en-US" dirty="0"/>
+          </a:p>
+        </p:txBody>
+      </p:sp>
     </p:spTree>
     <p:extLst>
       <p:ext uri="{BB962C8B-B14F-4D97-AF65-F5344CB8AC3E}">
-        <p14:creationId xmlns:p14="http://schemas.microsoft.com/office/powerpoint/2010/main" val="1399512157"/>
+        <p14:creationId xmlns:p14="http://schemas.microsoft.com/office/powerpoint/2010/main" val="2038946885"/>
       </p:ext>
     </p:extLst>
   </p:cSld>
@@ -4263,163 +5425,259 @@
       </p:grpSpPr>
       <p:sp>
         <p:nvSpPr>
-          <p:cNvPr id="4" name="矩形 3"/>
-          <p:cNvSpPr/>
-          <p:nvPr/>
+          <p:cNvPr id="2" name="标题 1"/>
+          <p:cNvSpPr>
+            <a:spLocks noGrp="1"/>
+          </p:cNvSpPr>
+          <p:nvPr>
+            <p:ph type="title"/>
+          </p:nvPr>
         </p:nvSpPr>
         <p:spPr>
           <a:xfrm>
-            <a:off x="590026" y="789176"/>
-            <a:ext cx="10939243" cy="3693319"/>
+            <a:off x="838200" y="458015"/>
+            <a:ext cx="10515600" cy="1325563"/>
+          </a:xfrm>
+        </p:spPr>
+        <p:txBody>
+          <a:bodyPr/>
+          <a:lstStyle/>
+          <a:p>
+            <a:r>
+              <a:rPr lang="zh-CN" altLang="en-US" dirty="0"/>
+              <a:t>球</a:t>
+            </a:r>
+            <a:r>
+              <a:rPr lang="zh-CN" altLang="en-US" dirty="0" smtClean="0"/>
+              <a:t>谐光照</a:t>
+            </a:r>
+            <a:endParaRPr lang="zh-CN" altLang="en-US" dirty="0"/>
+          </a:p>
+        </p:txBody>
+      </p:sp>
+      <p:sp>
+        <p:nvSpPr>
+          <p:cNvPr id="3" name="内容占位符 2"/>
+          <p:cNvSpPr>
+            <a:spLocks noGrp="1"/>
+          </p:cNvSpPr>
+          <p:nvPr>
+            <p:ph idx="1"/>
+          </p:nvPr>
+        </p:nvSpPr>
+        <p:spPr/>
+        <p:txBody>
+          <a:bodyPr/>
+          <a:lstStyle/>
+          <a:p>
+            <a:r>
+              <a:rPr lang="zh-CN" altLang="en-US" dirty="0" smtClean="0"/>
+              <a:t>类似</a:t>
+            </a:r>
+            <a:r>
+              <a:rPr lang="en-US" altLang="zh-CN" dirty="0" smtClean="0"/>
+              <a:t>3</a:t>
+            </a:r>
+            <a:r>
+              <a:rPr lang="zh-CN" altLang="en-US" dirty="0" smtClean="0"/>
+              <a:t>维的傅里叶变化</a:t>
+            </a:r>
+            <a:endParaRPr lang="en-US" altLang="zh-CN" dirty="0" smtClean="0"/>
+          </a:p>
+          <a:p>
+            <a:r>
+              <a:rPr lang="zh-CN" altLang="en-US" dirty="0" smtClean="0"/>
+              <a:t>本质是一种压缩方式</a:t>
+            </a:r>
+            <a:endParaRPr lang="zh-CN" altLang="en-US" dirty="0"/>
+          </a:p>
+        </p:txBody>
+      </p:sp>
+      <p:pic>
+        <p:nvPicPr>
+          <p:cNvPr id="1026" name="Picture 2" descr="preview"/>
+          <p:cNvPicPr>
+            <a:picLocks noChangeAspect="1" noChangeArrowheads="1"/>
+          </p:cNvPicPr>
+          <p:nvPr/>
+        </p:nvPicPr>
+        <p:blipFill rotWithShape="1">
+          <a:blip r:embed="rId2">
+            <a:extLst>
+              <a:ext uri="{28A0092B-C50C-407E-A947-70E740481C1C}">
+                <a14:useLocalDpi xmlns:a14="http://schemas.microsoft.com/office/drawing/2010/main" val="0"/>
+              </a:ext>
+            </a:extLst>
+          </a:blip>
+          <a:srcRect r="17641"/>
+          <a:stretch/>
+        </p:blipFill>
+        <p:spPr bwMode="auto">
+          <a:xfrm>
+            <a:off x="-117446" y="3498056"/>
+            <a:ext cx="5506994" cy="3019425"/>
+          </a:xfrm>
+          <a:prstGeom prst="rect">
+            <a:avLst/>
+          </a:prstGeom>
+          <a:noFill/>
+          <a:extLst>
+            <a:ext uri="{909E8E84-426E-40DD-AFC4-6F175D3DCCD1}">
+              <a14:hiddenFill xmlns:a14="http://schemas.microsoft.com/office/drawing/2010/main">
+                <a:solidFill>
+                  <a:srgbClr val="FFFFFF"/>
+                </a:solidFill>
+              </a14:hiddenFill>
+            </a:ext>
+          </a:extLst>
+        </p:spPr>
+      </p:pic>
+      <p:pic>
+        <p:nvPicPr>
+          <p:cNvPr id="4" name="图片 3"/>
+          <p:cNvPicPr>
+            <a:picLocks noChangeAspect="1"/>
+          </p:cNvPicPr>
+          <p:nvPr/>
+        </p:nvPicPr>
+        <p:blipFill>
+          <a:blip r:embed="rId3"/>
+          <a:stretch>
+            <a:fillRect/>
+          </a:stretch>
+        </p:blipFill>
+        <p:spPr>
+          <a:xfrm>
+            <a:off x="5302776" y="3299669"/>
+            <a:ext cx="6650173" cy="3558331"/>
           </a:xfrm>
           <a:prstGeom prst="rect">
             <a:avLst/>
           </a:prstGeom>
         </p:spPr>
-        <p:txBody>
-          <a:bodyPr wrap="square">
-            <a:spAutoFit/>
-          </a:bodyPr>
-          <a:lstStyle/>
-          <a:p>
-            <a:r>
-              <a:rPr lang="zh-CN" altLang="en-US" dirty="0"/>
-              <a:t>unity分为两部分来做，一个是迪斯尼漫反射，还有一个是兰伯特漫反射，兰伯特漫反射更节省一些，效果并每有太大的差异迪斯尼漫反射</a:t>
-            </a:r>
-            <a:r>
-              <a:rPr lang="zh-CN" altLang="en-US" dirty="0" smtClean="0"/>
-              <a:t>：</a:t>
-            </a:r>
-            <a:endParaRPr lang="en-US" altLang="zh-CN" dirty="0" smtClean="0"/>
-          </a:p>
-          <a:p>
-            <a:r>
-              <a:rPr lang="zh-CN" altLang="en-US" dirty="0" smtClean="0"/>
-              <a:t>half </a:t>
-            </a:r>
-            <a:r>
-              <a:rPr lang="zh-CN" altLang="en-US" dirty="0"/>
-              <a:t>DisneyDiffuse(half NdotV, half NdotL, half LdotH, half perceptualRoughness</a:t>
-            </a:r>
-            <a:r>
-              <a:rPr lang="zh-CN" altLang="en-US" dirty="0" smtClean="0"/>
-              <a:t>)</a:t>
-            </a:r>
-            <a:endParaRPr lang="en-US" altLang="zh-CN" dirty="0" smtClean="0"/>
-          </a:p>
-          <a:p>
-            <a:r>
-              <a:rPr lang="zh-CN" altLang="en-US" dirty="0" smtClean="0"/>
-              <a:t>{    </a:t>
-            </a:r>
-            <a:endParaRPr lang="en-US" altLang="zh-CN" dirty="0" smtClean="0"/>
-          </a:p>
-          <a:p>
-            <a:r>
-              <a:rPr lang="zh-CN" altLang="en-US" dirty="0" smtClean="0"/>
-              <a:t>half </a:t>
-            </a:r>
-            <a:r>
-              <a:rPr lang="zh-CN" altLang="en-US" dirty="0"/>
-              <a:t>fd90 = 0.5 + 2 * LdotH * LdotH * perceptualRoughness;    </a:t>
-            </a:r>
-            <a:endParaRPr lang="en-US" altLang="zh-CN" dirty="0" smtClean="0"/>
-          </a:p>
-          <a:p>
-            <a:r>
-              <a:rPr lang="zh-CN" altLang="en-US" dirty="0" smtClean="0"/>
-              <a:t>half </a:t>
-            </a:r>
-            <a:r>
-              <a:rPr lang="zh-CN" altLang="en-US" dirty="0"/>
-              <a:t>lightScatter   = (1 + (fd90 - 1) * Pow5(1 - NdotL));    </a:t>
-            </a:r>
-            <a:endParaRPr lang="en-US" altLang="zh-CN" dirty="0" smtClean="0"/>
-          </a:p>
-          <a:p>
-            <a:r>
-              <a:rPr lang="zh-CN" altLang="en-US" dirty="0" smtClean="0"/>
-              <a:t>half </a:t>
-            </a:r>
-            <a:r>
-              <a:rPr lang="zh-CN" altLang="en-US" dirty="0"/>
-              <a:t>viewScatter    = (1 + (fd90 - 1) * Pow5(1 - NdotV));    </a:t>
-            </a:r>
-            <a:endParaRPr lang="en-US" altLang="zh-CN" dirty="0" smtClean="0"/>
-          </a:p>
-          <a:p>
-            <a:r>
-              <a:rPr lang="zh-CN" altLang="en-US" dirty="0" smtClean="0"/>
-              <a:t>return </a:t>
-            </a:r>
-            <a:r>
-              <a:rPr lang="zh-CN" altLang="en-US" dirty="0"/>
-              <a:t>lightScatter * viewScatter</a:t>
-            </a:r>
-            <a:r>
-              <a:rPr lang="zh-CN" altLang="en-US" dirty="0" smtClean="0"/>
-              <a:t>;</a:t>
-            </a:r>
-            <a:endParaRPr lang="en-US" altLang="zh-CN" dirty="0" smtClean="0"/>
-          </a:p>
-          <a:p>
-            <a:r>
-              <a:rPr lang="zh-CN" altLang="en-US" dirty="0" smtClean="0"/>
-              <a:t>}</a:t>
-            </a:r>
-            <a:endParaRPr lang="en-US" altLang="zh-CN" dirty="0" smtClean="0"/>
-          </a:p>
-          <a:p>
-            <a:r>
-              <a:rPr lang="zh-CN" altLang="en-US" dirty="0" smtClean="0"/>
-              <a:t>那么</a:t>
-            </a:r>
-            <a:r>
-              <a:rPr lang="zh-CN" altLang="en-US" dirty="0"/>
-              <a:t>得出的结果就是</a:t>
-            </a:r>
-            <a:r>
-              <a:rPr lang="zh-CN" altLang="en-US" dirty="0" smtClean="0"/>
-              <a:t>：</a:t>
-            </a:r>
-            <a:endParaRPr lang="en-US" altLang="zh-CN" dirty="0" smtClean="0"/>
-          </a:p>
-          <a:p>
-            <a:r>
-              <a:rPr lang="zh-CN" altLang="en-US" dirty="0" smtClean="0"/>
-              <a:t>directDiffuse </a:t>
-            </a:r>
-            <a:r>
-              <a:rPr lang="zh-CN" altLang="en-US" dirty="0"/>
-              <a:t>= lightScatter * viewScatter </a:t>
-            </a:r>
-            <a:r>
-              <a:rPr lang="zh-CN" altLang="en-US" dirty="0" smtClean="0"/>
-              <a:t>;</a:t>
-            </a:r>
-            <a:endParaRPr lang="en-US" altLang="zh-CN" dirty="0" smtClean="0"/>
-          </a:p>
-          <a:p>
-            <a:r>
-              <a:rPr lang="zh-CN" altLang="en-US" dirty="0" smtClean="0"/>
-              <a:t>这个</a:t>
-            </a:r>
-            <a:r>
-              <a:rPr lang="zh-CN" altLang="en-US" dirty="0"/>
-              <a:t>函数计算的结果 还需要 *NdotL*atten*LightColor,而的出来的结果其实就是漫反射系数 ，比lanbert好的一点 ，是随着粗造度的变化，效果稍有变化。directDiffuse *=  NdotL * attenColor</a:t>
-            </a:r>
-            <a:r>
-              <a:rPr lang="zh-CN" altLang="en-US" dirty="0" smtClean="0"/>
-              <a:t>;</a:t>
-            </a:r>
-            <a:endParaRPr lang="zh-CN" altLang="en-US" dirty="0"/>
-          </a:p>
-        </p:txBody>
-      </p:sp>
+      </p:pic>
     </p:spTree>
     <p:extLst>
       <p:ext uri="{BB962C8B-B14F-4D97-AF65-F5344CB8AC3E}">
-        <p14:creationId xmlns:p14="http://schemas.microsoft.com/office/powerpoint/2010/main" val="2038946885"/>
+        <p14:creationId xmlns:p14="http://schemas.microsoft.com/office/powerpoint/2010/main" val="2172661144"/>
+      </p:ext>
+    </p:extLst>
+  </p:cSld>
+  <p:clrMapOvr>
+    <a:masterClrMapping/>
+  </p:clrMapOvr>
+  <p:timing>
+    <p:tnLst>
+      <p:par>
+        <p:cTn id="1" dur="indefinite" restart="never" nodeType="tmRoot"/>
+      </p:par>
+    </p:tnLst>
+  </p:timing>
+</p:sld>
+</file>
+
+<file path=ppt/slides/slide9.xml><?xml version="1.0" encoding="utf-8"?>
+<p:sld xmlns:a="http://schemas.openxmlformats.org/drawingml/2006/main" xmlns:r="http://schemas.openxmlformats.org/officeDocument/2006/relationships" xmlns:p="http://schemas.openxmlformats.org/presentationml/2006/main">
+  <p:cSld>
+    <p:spTree>
+      <p:nvGrpSpPr>
+        <p:cNvPr id="1" name=""/>
+        <p:cNvGrpSpPr/>
+        <p:nvPr/>
+      </p:nvGrpSpPr>
+      <p:grpSpPr>
+        <a:xfrm>
+          <a:off x="0" y="0"/>
+          <a:ext cx="0" cy="0"/>
+          <a:chOff x="0" y="0"/>
+          <a:chExt cx="0" cy="0"/>
+        </a:xfrm>
+      </p:grpSpPr>
+      <p:sp>
+        <p:nvSpPr>
+          <p:cNvPr id="2" name="标题 1"/>
+          <p:cNvSpPr>
+            <a:spLocks noGrp="1"/>
+          </p:cNvSpPr>
+          <p:nvPr>
+            <p:ph type="title"/>
+          </p:nvPr>
+        </p:nvSpPr>
+        <p:spPr/>
+        <p:txBody>
+          <a:bodyPr/>
+          <a:lstStyle/>
+          <a:p>
+            <a:r>
+              <a:rPr lang="en-US" altLang="zh-CN" dirty="0" smtClean="0"/>
+              <a:t>Fresnel </a:t>
+            </a:r>
+            <a:r>
+              <a:rPr lang="zh-CN" altLang="en-US" dirty="0" smtClean="0"/>
+              <a:t>菲涅尔方程</a:t>
+            </a:r>
+            <a:endParaRPr lang="zh-CN" altLang="en-US" dirty="0"/>
+          </a:p>
+        </p:txBody>
+      </p:sp>
+      <p:pic>
+        <p:nvPicPr>
+          <p:cNvPr id="4" name="图片 3"/>
+          <p:cNvPicPr>
+            <a:picLocks noChangeAspect="1"/>
+          </p:cNvPicPr>
+          <p:nvPr/>
+        </p:nvPicPr>
+        <p:blipFill>
+          <a:blip r:embed="rId2"/>
+          <a:stretch>
+            <a:fillRect/>
+          </a:stretch>
+        </p:blipFill>
+        <p:spPr>
+          <a:xfrm>
+            <a:off x="6467475" y="1141503"/>
+            <a:ext cx="5724525" cy="5610225"/>
+          </a:xfrm>
+          <a:prstGeom prst="rect">
+            <a:avLst/>
+          </a:prstGeom>
+        </p:spPr>
+      </p:pic>
+      <p:sp>
+        <p:nvSpPr>
+          <p:cNvPr id="8" name="文本框 7"/>
+          <p:cNvSpPr txBox="1"/>
+          <p:nvPr/>
+        </p:nvSpPr>
+        <p:spPr>
+          <a:xfrm>
+            <a:off x="1031966" y="2808514"/>
+            <a:ext cx="1800493" cy="369332"/>
+          </a:xfrm>
+          <a:prstGeom prst="rect">
+            <a:avLst/>
+          </a:prstGeom>
+          <a:noFill/>
+        </p:spPr>
+        <p:txBody>
+          <a:bodyPr wrap="none" rtlCol="0">
+            <a:spAutoFit/>
+          </a:bodyPr>
+          <a:lstStyle/>
+          <a:p>
+            <a:r>
+              <a:rPr lang="zh-CN" altLang="en-US" dirty="0" smtClean="0"/>
+              <a:t>描述被反射光线</a:t>
+            </a:r>
+            <a:endParaRPr lang="zh-CN" altLang="en-US" dirty="0"/>
+          </a:p>
+        </p:txBody>
+      </p:sp>
+    </p:spTree>
+    <p:extLst>
+      <p:ext uri="{BB962C8B-B14F-4D97-AF65-F5344CB8AC3E}">
+        <p14:creationId xmlns:p14="http://schemas.microsoft.com/office/powerpoint/2010/main" val="376425182"/>
       </p:ext>
     </p:extLst>
   </p:cSld>

--- a/pbr和npr.pptx
+++ b/pbr和npr.pptx
@@ -11,13 +11,14 @@
     <p:sldId id="259" r:id="rId5"/>
     <p:sldId id="260" r:id="rId6"/>
     <p:sldId id="262" r:id="rId7"/>
-    <p:sldId id="263" r:id="rId8"/>
-    <p:sldId id="264" r:id="rId9"/>
-    <p:sldId id="267" r:id="rId10"/>
-    <p:sldId id="265" r:id="rId11"/>
-    <p:sldId id="266" r:id="rId12"/>
-    <p:sldId id="268" r:id="rId13"/>
-    <p:sldId id="258" r:id="rId14"/>
+    <p:sldId id="269" r:id="rId8"/>
+    <p:sldId id="263" r:id="rId9"/>
+    <p:sldId id="264" r:id="rId10"/>
+    <p:sldId id="267" r:id="rId11"/>
+    <p:sldId id="265" r:id="rId12"/>
+    <p:sldId id="266" r:id="rId13"/>
+    <p:sldId id="268" r:id="rId14"/>
+    <p:sldId id="258" r:id="rId15"/>
   </p:sldIdLst>
   <p:sldSz cx="12192000" cy="6858000"/>
   <p:notesSz cx="6858000" cy="9144000"/>
@@ -255,7 +256,7 @@
           <a:p>
             <a:fld id="{1E6C1C17-F6D2-4837-9EF5-FC0DAD2A94FE}" type="datetimeFigureOut">
               <a:rPr lang="zh-CN" altLang="en-US" smtClean="0"/>
-              <a:t>2019/7/11</a:t>
+              <a:t>2019/7/12</a:t>
             </a:fld>
             <a:endParaRPr lang="zh-CN" altLang="en-US"/>
           </a:p>
@@ -425,7 +426,7 @@
           <a:p>
             <a:fld id="{1E6C1C17-F6D2-4837-9EF5-FC0DAD2A94FE}" type="datetimeFigureOut">
               <a:rPr lang="zh-CN" altLang="en-US" smtClean="0"/>
-              <a:t>2019/7/11</a:t>
+              <a:t>2019/7/12</a:t>
             </a:fld>
             <a:endParaRPr lang="zh-CN" altLang="en-US"/>
           </a:p>
@@ -605,7 +606,7 @@
           <a:p>
             <a:fld id="{1E6C1C17-F6D2-4837-9EF5-FC0DAD2A94FE}" type="datetimeFigureOut">
               <a:rPr lang="zh-CN" altLang="en-US" smtClean="0"/>
-              <a:t>2019/7/11</a:t>
+              <a:t>2019/7/12</a:t>
             </a:fld>
             <a:endParaRPr lang="zh-CN" altLang="en-US"/>
           </a:p>
@@ -775,7 +776,7 @@
           <a:p>
             <a:fld id="{1E6C1C17-F6D2-4837-9EF5-FC0DAD2A94FE}" type="datetimeFigureOut">
               <a:rPr lang="zh-CN" altLang="en-US" smtClean="0"/>
-              <a:t>2019/7/11</a:t>
+              <a:t>2019/7/12</a:t>
             </a:fld>
             <a:endParaRPr lang="zh-CN" altLang="en-US"/>
           </a:p>
@@ -1021,7 +1022,7 @@
           <a:p>
             <a:fld id="{1E6C1C17-F6D2-4837-9EF5-FC0DAD2A94FE}" type="datetimeFigureOut">
               <a:rPr lang="zh-CN" altLang="en-US" smtClean="0"/>
-              <a:t>2019/7/11</a:t>
+              <a:t>2019/7/12</a:t>
             </a:fld>
             <a:endParaRPr lang="zh-CN" altLang="en-US"/>
           </a:p>
@@ -1253,7 +1254,7 @@
           <a:p>
             <a:fld id="{1E6C1C17-F6D2-4837-9EF5-FC0DAD2A94FE}" type="datetimeFigureOut">
               <a:rPr lang="zh-CN" altLang="en-US" smtClean="0"/>
-              <a:t>2019/7/11</a:t>
+              <a:t>2019/7/12</a:t>
             </a:fld>
             <a:endParaRPr lang="zh-CN" altLang="en-US"/>
           </a:p>
@@ -1620,7 +1621,7 @@
           <a:p>
             <a:fld id="{1E6C1C17-F6D2-4837-9EF5-FC0DAD2A94FE}" type="datetimeFigureOut">
               <a:rPr lang="zh-CN" altLang="en-US" smtClean="0"/>
-              <a:t>2019/7/11</a:t>
+              <a:t>2019/7/12</a:t>
             </a:fld>
             <a:endParaRPr lang="zh-CN" altLang="en-US"/>
           </a:p>
@@ -1738,7 +1739,7 @@
           <a:p>
             <a:fld id="{1E6C1C17-F6D2-4837-9EF5-FC0DAD2A94FE}" type="datetimeFigureOut">
               <a:rPr lang="zh-CN" altLang="en-US" smtClean="0"/>
-              <a:t>2019/7/11</a:t>
+              <a:t>2019/7/12</a:t>
             </a:fld>
             <a:endParaRPr lang="zh-CN" altLang="en-US"/>
           </a:p>
@@ -1833,7 +1834,7 @@
           <a:p>
             <a:fld id="{1E6C1C17-F6D2-4837-9EF5-FC0DAD2A94FE}" type="datetimeFigureOut">
               <a:rPr lang="zh-CN" altLang="en-US" smtClean="0"/>
-              <a:t>2019/7/11</a:t>
+              <a:t>2019/7/12</a:t>
             </a:fld>
             <a:endParaRPr lang="zh-CN" altLang="en-US"/>
           </a:p>
@@ -2110,7 +2111,7 @@
           <a:p>
             <a:fld id="{1E6C1C17-F6D2-4837-9EF5-FC0DAD2A94FE}" type="datetimeFigureOut">
               <a:rPr lang="zh-CN" altLang="en-US" smtClean="0"/>
-              <a:t>2019/7/11</a:t>
+              <a:t>2019/7/12</a:t>
             </a:fld>
             <a:endParaRPr lang="zh-CN" altLang="en-US"/>
           </a:p>
@@ -2363,7 +2364,7 @@
           <a:p>
             <a:fld id="{1E6C1C17-F6D2-4837-9EF5-FC0DAD2A94FE}" type="datetimeFigureOut">
               <a:rPr lang="zh-CN" altLang="en-US" smtClean="0"/>
-              <a:t>2019/7/11</a:t>
+              <a:t>2019/7/12</a:t>
             </a:fld>
             <a:endParaRPr lang="zh-CN" altLang="en-US"/>
           </a:p>
@@ -2576,7 +2577,7 @@
           <a:p>
             <a:fld id="{1E6C1C17-F6D2-4837-9EF5-FC0DAD2A94FE}" type="datetimeFigureOut">
               <a:rPr lang="zh-CN" altLang="en-US" smtClean="0"/>
-              <a:t>2019/7/11</a:t>
+              <a:t>2019/7/12</a:t>
             </a:fld>
             <a:endParaRPr lang="zh-CN" altLang="en-US"/>
           </a:p>
@@ -3129,8 +3130,12 @@
           <a:lstStyle/>
           <a:p>
             <a:r>
+              <a:rPr lang="en-US" altLang="zh-CN" dirty="0" smtClean="0"/>
+              <a:t>Fresnel </a:t>
+            </a:r>
+            <a:r>
               <a:rPr lang="zh-CN" altLang="en-US" dirty="0" smtClean="0"/>
-              <a:t>球谐函数的基函数</a:t>
+              <a:t>菲涅尔方程</a:t>
             </a:r>
             <a:endParaRPr lang="zh-CN" altLang="en-US" dirty="0"/>
           </a:p>
@@ -3138,95 +3143,62 @@
       </p:sp>
       <p:pic>
         <p:nvPicPr>
-          <p:cNvPr id="4" name="内容占位符 3"/>
-          <p:cNvPicPr>
-            <a:picLocks noGrp="1" noChangeAspect="1"/>
-          </p:cNvPicPr>
-          <p:nvPr>
-            <p:ph idx="1"/>
-          </p:nvPr>
-        </p:nvPicPr>
-        <p:blipFill rotWithShape="1">
-          <a:blip r:embed="rId2"/>
-          <a:srcRect r="92839"/>
-          <a:stretch/>
-        </p:blipFill>
-        <p:spPr>
-          <a:xfrm>
-            <a:off x="6627181" y="1690688"/>
-            <a:ext cx="505139" cy="4351338"/>
-          </a:xfrm>
-          <a:prstGeom prst="rect">
-            <a:avLst/>
-          </a:prstGeom>
-        </p:spPr>
-      </p:pic>
-      <p:pic>
-        <p:nvPicPr>
-          <p:cNvPr id="2050" name="Picture 2" descr="preview"/>
-          <p:cNvPicPr>
-            <a:picLocks noChangeAspect="1" noChangeArrowheads="1"/>
-          </p:cNvPicPr>
-          <p:nvPr/>
-        </p:nvPicPr>
-        <p:blipFill rotWithShape="1">
-          <a:blip r:embed="rId3">
-            <a:extLst>
-              <a:ext uri="{28A0092B-C50C-407E-A947-70E740481C1C}">
-                <a14:useLocalDpi xmlns:a14="http://schemas.microsoft.com/office/drawing/2010/main" val="0"/>
-              </a:ext>
-            </a:extLst>
-          </a:blip>
-          <a:srcRect t="6642" b="11419"/>
-          <a:stretch/>
-        </p:blipFill>
-        <p:spPr bwMode="auto">
-          <a:xfrm>
-            <a:off x="693106" y="1690688"/>
-            <a:ext cx="5291818" cy="3069772"/>
-          </a:xfrm>
-          <a:prstGeom prst="rect">
-            <a:avLst/>
-          </a:prstGeom>
-          <a:noFill/>
-          <a:extLst>
-            <a:ext uri="{909E8E84-426E-40DD-AFC4-6F175D3DCCD1}">
-              <a14:hiddenFill xmlns:a14="http://schemas.microsoft.com/office/drawing/2010/main">
-                <a:solidFill>
-                  <a:srgbClr val="FFFFFF"/>
-                </a:solidFill>
-              </a14:hiddenFill>
-            </a:ext>
-          </a:extLst>
-        </p:spPr>
-      </p:pic>
-      <p:pic>
-        <p:nvPicPr>
-          <p:cNvPr id="6" name="内容占位符 3"/>
+          <p:cNvPr id="4" name="图片 3"/>
           <p:cNvPicPr>
             <a:picLocks noChangeAspect="1"/>
           </p:cNvPicPr>
           <p:nvPr/>
         </p:nvPicPr>
-        <p:blipFill rotWithShape="1">
+        <p:blipFill>
           <a:blip r:embed="rId2"/>
-          <a:srcRect l="47778"/>
-          <a:stretch/>
+          <a:stretch>
+            <a:fillRect/>
+          </a:stretch>
         </p:blipFill>
         <p:spPr>
           <a:xfrm>
-            <a:off x="7027817" y="1690688"/>
-            <a:ext cx="3683726" cy="4351338"/>
+            <a:off x="6467475" y="1141503"/>
+            <a:ext cx="5724525" cy="5610225"/>
           </a:xfrm>
           <a:prstGeom prst="rect">
             <a:avLst/>
           </a:prstGeom>
         </p:spPr>
       </p:pic>
+      <p:sp>
+        <p:nvSpPr>
+          <p:cNvPr id="8" name="文本框 7"/>
+          <p:cNvSpPr txBox="1"/>
+          <p:nvPr/>
+        </p:nvSpPr>
+        <p:spPr>
+          <a:xfrm>
+            <a:off x="1031966" y="2808514"/>
+            <a:ext cx="1800493" cy="369332"/>
+          </a:xfrm>
+          <a:prstGeom prst="rect">
+            <a:avLst/>
+          </a:prstGeom>
+          <a:noFill/>
+        </p:spPr>
+        <p:txBody>
+          <a:bodyPr wrap="none" rtlCol="0">
+            <a:spAutoFit/>
+          </a:bodyPr>
+          <a:lstStyle/>
+          <a:p>
+            <a:r>
+              <a:rPr lang="zh-CN" altLang="en-US" dirty="0" smtClean="0"/>
+              <a:t>描述被反射光线</a:t>
+            </a:r>
+            <a:endParaRPr lang="zh-CN" altLang="en-US" dirty="0"/>
+          </a:p>
+        </p:txBody>
+      </p:sp>
     </p:spTree>
     <p:extLst>
       <p:ext uri="{BB962C8B-B14F-4D97-AF65-F5344CB8AC3E}">
-        <p14:creationId xmlns:p14="http://schemas.microsoft.com/office/powerpoint/2010/main" val="2875363932"/>
+        <p14:creationId xmlns:p14="http://schemas.microsoft.com/office/powerpoint/2010/main" val="376425182"/>
       </p:ext>
     </p:extLst>
   </p:cSld>
@@ -3260,154 +3232,120 @@
           <a:chExt cx="0" cy="0"/>
         </a:xfrm>
       </p:grpSpPr>
+      <p:sp>
+        <p:nvSpPr>
+          <p:cNvPr id="2" name="标题 1"/>
+          <p:cNvSpPr>
+            <a:spLocks noGrp="1"/>
+          </p:cNvSpPr>
+          <p:nvPr>
+            <p:ph type="title"/>
+          </p:nvPr>
+        </p:nvSpPr>
+        <p:spPr/>
+        <p:txBody>
+          <a:bodyPr/>
+          <a:lstStyle/>
+          <a:p>
+            <a:r>
+              <a:rPr lang="zh-CN" altLang="en-US" dirty="0" smtClean="0"/>
+              <a:t>球谐函数的基函数</a:t>
+            </a:r>
+            <a:endParaRPr lang="zh-CN" altLang="en-US" dirty="0"/>
+          </a:p>
+        </p:txBody>
+      </p:sp>
       <p:pic>
         <p:nvPicPr>
-          <p:cNvPr id="4" name="图片 3"/>
+          <p:cNvPr id="4" name="内容占位符 3"/>
+          <p:cNvPicPr>
+            <a:picLocks noGrp="1" noChangeAspect="1"/>
+          </p:cNvPicPr>
+          <p:nvPr>
+            <p:ph idx="1"/>
+          </p:nvPr>
+        </p:nvPicPr>
+        <p:blipFill rotWithShape="1">
+          <a:blip r:embed="rId2"/>
+          <a:srcRect r="92839"/>
+          <a:stretch/>
+        </p:blipFill>
+        <p:spPr>
+          <a:xfrm>
+            <a:off x="6627181" y="1690688"/>
+            <a:ext cx="505139" cy="4351338"/>
+          </a:xfrm>
+          <a:prstGeom prst="rect">
+            <a:avLst/>
+          </a:prstGeom>
+        </p:spPr>
+      </p:pic>
+      <p:pic>
+        <p:nvPicPr>
+          <p:cNvPr id="2050" name="Picture 2" descr="preview"/>
+          <p:cNvPicPr>
+            <a:picLocks noChangeAspect="1" noChangeArrowheads="1"/>
+          </p:cNvPicPr>
+          <p:nvPr/>
+        </p:nvPicPr>
+        <p:blipFill rotWithShape="1">
+          <a:blip r:embed="rId3">
+            <a:extLst>
+              <a:ext uri="{28A0092B-C50C-407E-A947-70E740481C1C}">
+                <a14:useLocalDpi xmlns:a14="http://schemas.microsoft.com/office/drawing/2010/main" val="0"/>
+              </a:ext>
+            </a:extLst>
+          </a:blip>
+          <a:srcRect t="6642" b="11419"/>
+          <a:stretch/>
+        </p:blipFill>
+        <p:spPr bwMode="auto">
+          <a:xfrm>
+            <a:off x="693106" y="1690688"/>
+            <a:ext cx="5291818" cy="3069772"/>
+          </a:xfrm>
+          <a:prstGeom prst="rect">
+            <a:avLst/>
+          </a:prstGeom>
+          <a:noFill/>
+          <a:extLst>
+            <a:ext uri="{909E8E84-426E-40DD-AFC4-6F175D3DCCD1}">
+              <a14:hiddenFill xmlns:a14="http://schemas.microsoft.com/office/drawing/2010/main">
+                <a:solidFill>
+                  <a:srgbClr val="FFFFFF"/>
+                </a:solidFill>
+              </a14:hiddenFill>
+            </a:ext>
+          </a:extLst>
+        </p:spPr>
+      </p:pic>
+      <p:pic>
+        <p:nvPicPr>
+          <p:cNvPr id="6" name="内容占位符 3"/>
           <p:cNvPicPr>
             <a:picLocks noChangeAspect="1"/>
           </p:cNvPicPr>
           <p:nvPr/>
         </p:nvPicPr>
-        <p:blipFill>
+        <p:blipFill rotWithShape="1">
           <a:blip r:embed="rId2"/>
-          <a:stretch>
-            <a:fillRect/>
-          </a:stretch>
+          <a:srcRect l="47778"/>
+          <a:stretch/>
         </p:blipFill>
         <p:spPr>
           <a:xfrm>
-            <a:off x="461418" y="1498169"/>
-            <a:ext cx="4371975" cy="5267325"/>
+            <a:off x="7027817" y="1690688"/>
+            <a:ext cx="3683726" cy="4351338"/>
           </a:xfrm>
           <a:prstGeom prst="rect">
             <a:avLst/>
           </a:prstGeom>
         </p:spPr>
       </p:pic>
-      <p:pic>
-        <p:nvPicPr>
-          <p:cNvPr id="5" name="图片 4"/>
-          <p:cNvPicPr>
-            <a:picLocks noChangeAspect="1"/>
-          </p:cNvPicPr>
-          <p:nvPr/>
-        </p:nvPicPr>
-        <p:blipFill>
-          <a:blip r:embed="rId3"/>
-          <a:stretch>
-            <a:fillRect/>
-          </a:stretch>
-        </p:blipFill>
-        <p:spPr>
-          <a:xfrm>
-            <a:off x="5784668" y="0"/>
-            <a:ext cx="5838825" cy="6877050"/>
-          </a:xfrm>
-          <a:prstGeom prst="rect">
-            <a:avLst/>
-          </a:prstGeom>
-        </p:spPr>
-      </p:pic>
-      <p:cxnSp>
-        <p:nvCxnSpPr>
-          <p:cNvPr id="7" name="直接箭头连接符 6"/>
-          <p:cNvCxnSpPr/>
-          <p:nvPr/>
-        </p:nvCxnSpPr>
-        <p:spPr>
-          <a:xfrm>
-            <a:off x="3566160" y="2717074"/>
-            <a:ext cx="2218508" cy="26126"/>
-          </a:xfrm>
-          <a:prstGeom prst="straightConnector1">
-            <a:avLst/>
-          </a:prstGeom>
-          <a:ln>
-            <a:tailEnd type="triangle"/>
-          </a:ln>
-        </p:spPr>
-        <p:style>
-          <a:lnRef idx="1">
-            <a:schemeClr val="accent1"/>
-          </a:lnRef>
-          <a:fillRef idx="0">
-            <a:schemeClr val="accent1"/>
-          </a:fillRef>
-          <a:effectRef idx="0">
-            <a:schemeClr val="accent1"/>
-          </a:effectRef>
-          <a:fontRef idx="minor">
-            <a:schemeClr val="tx1"/>
-          </a:fontRef>
-        </p:style>
-      </p:cxnSp>
-      <p:cxnSp>
-        <p:nvCxnSpPr>
-          <p:cNvPr id="9" name="直接箭头连接符 8"/>
-          <p:cNvCxnSpPr/>
-          <p:nvPr/>
-        </p:nvCxnSpPr>
-        <p:spPr>
-          <a:xfrm>
-            <a:off x="3030583" y="5460274"/>
-            <a:ext cx="2754085" cy="13063"/>
-          </a:xfrm>
-          <a:prstGeom prst="straightConnector1">
-            <a:avLst/>
-          </a:prstGeom>
-          <a:ln>
-            <a:tailEnd type="triangle"/>
-          </a:ln>
-        </p:spPr>
-        <p:style>
-          <a:lnRef idx="1">
-            <a:schemeClr val="accent1"/>
-          </a:lnRef>
-          <a:fillRef idx="0">
-            <a:schemeClr val="accent1"/>
-          </a:fillRef>
-          <a:effectRef idx="0">
-            <a:schemeClr val="accent1"/>
-          </a:effectRef>
-          <a:fontRef idx="minor">
-            <a:schemeClr val="tx1"/>
-          </a:fontRef>
-        </p:style>
-      </p:cxnSp>
-      <p:sp>
-        <p:nvSpPr>
-          <p:cNvPr id="14" name="文本框 13"/>
-          <p:cNvSpPr txBox="1"/>
-          <p:nvPr/>
-        </p:nvSpPr>
-        <p:spPr>
-          <a:xfrm>
-            <a:off x="783771" y="705394"/>
-            <a:ext cx="1800493" cy="369332"/>
-          </a:xfrm>
-          <a:prstGeom prst="rect">
-            <a:avLst/>
-          </a:prstGeom>
-          <a:noFill/>
-        </p:spPr>
-        <p:txBody>
-          <a:bodyPr wrap="none" rtlCol="0">
-            <a:spAutoFit/>
-          </a:bodyPr>
-          <a:lstStyle/>
-          <a:p>
-            <a:r>
-              <a:rPr lang="zh-CN" altLang="en-US" dirty="0" smtClean="0"/>
-              <a:t>编码及解码函数</a:t>
-            </a:r>
-            <a:endParaRPr lang="zh-CN" altLang="en-US" dirty="0"/>
-          </a:p>
-        </p:txBody>
-      </p:sp>
     </p:spTree>
     <p:extLst>
       <p:ext uri="{BB962C8B-B14F-4D97-AF65-F5344CB8AC3E}">
-        <p14:creationId xmlns:p14="http://schemas.microsoft.com/office/powerpoint/2010/main" val="415883551"/>
+        <p14:creationId xmlns:p14="http://schemas.microsoft.com/office/powerpoint/2010/main" val="2875363932"/>
       </p:ext>
     </p:extLst>
   </p:cSld>
@@ -3441,6 +3379,187 @@
           <a:chExt cx="0" cy="0"/>
         </a:xfrm>
       </p:grpSpPr>
+      <p:pic>
+        <p:nvPicPr>
+          <p:cNvPr id="4" name="图片 3"/>
+          <p:cNvPicPr>
+            <a:picLocks noChangeAspect="1"/>
+          </p:cNvPicPr>
+          <p:nvPr/>
+        </p:nvPicPr>
+        <p:blipFill>
+          <a:blip r:embed="rId2"/>
+          <a:stretch>
+            <a:fillRect/>
+          </a:stretch>
+        </p:blipFill>
+        <p:spPr>
+          <a:xfrm>
+            <a:off x="461418" y="1498169"/>
+            <a:ext cx="4371975" cy="5267325"/>
+          </a:xfrm>
+          <a:prstGeom prst="rect">
+            <a:avLst/>
+          </a:prstGeom>
+        </p:spPr>
+      </p:pic>
+      <p:pic>
+        <p:nvPicPr>
+          <p:cNvPr id="5" name="图片 4"/>
+          <p:cNvPicPr>
+            <a:picLocks noChangeAspect="1"/>
+          </p:cNvPicPr>
+          <p:nvPr/>
+        </p:nvPicPr>
+        <p:blipFill>
+          <a:blip r:embed="rId3"/>
+          <a:stretch>
+            <a:fillRect/>
+          </a:stretch>
+        </p:blipFill>
+        <p:spPr>
+          <a:xfrm>
+            <a:off x="5784668" y="0"/>
+            <a:ext cx="5838825" cy="6877050"/>
+          </a:xfrm>
+          <a:prstGeom prst="rect">
+            <a:avLst/>
+          </a:prstGeom>
+        </p:spPr>
+      </p:pic>
+      <p:cxnSp>
+        <p:nvCxnSpPr>
+          <p:cNvPr id="7" name="直接箭头连接符 6"/>
+          <p:cNvCxnSpPr/>
+          <p:nvPr/>
+        </p:nvCxnSpPr>
+        <p:spPr>
+          <a:xfrm>
+            <a:off x="3566160" y="2717074"/>
+            <a:ext cx="2218508" cy="26126"/>
+          </a:xfrm>
+          <a:prstGeom prst="straightConnector1">
+            <a:avLst/>
+          </a:prstGeom>
+          <a:ln>
+            <a:tailEnd type="triangle"/>
+          </a:ln>
+        </p:spPr>
+        <p:style>
+          <a:lnRef idx="1">
+            <a:schemeClr val="accent1"/>
+          </a:lnRef>
+          <a:fillRef idx="0">
+            <a:schemeClr val="accent1"/>
+          </a:fillRef>
+          <a:effectRef idx="0">
+            <a:schemeClr val="accent1"/>
+          </a:effectRef>
+          <a:fontRef idx="minor">
+            <a:schemeClr val="tx1"/>
+          </a:fontRef>
+        </p:style>
+      </p:cxnSp>
+      <p:cxnSp>
+        <p:nvCxnSpPr>
+          <p:cNvPr id="9" name="直接箭头连接符 8"/>
+          <p:cNvCxnSpPr/>
+          <p:nvPr/>
+        </p:nvCxnSpPr>
+        <p:spPr>
+          <a:xfrm>
+            <a:off x="3030583" y="5460274"/>
+            <a:ext cx="2754085" cy="13063"/>
+          </a:xfrm>
+          <a:prstGeom prst="straightConnector1">
+            <a:avLst/>
+          </a:prstGeom>
+          <a:ln>
+            <a:tailEnd type="triangle"/>
+          </a:ln>
+        </p:spPr>
+        <p:style>
+          <a:lnRef idx="1">
+            <a:schemeClr val="accent1"/>
+          </a:lnRef>
+          <a:fillRef idx="0">
+            <a:schemeClr val="accent1"/>
+          </a:fillRef>
+          <a:effectRef idx="0">
+            <a:schemeClr val="accent1"/>
+          </a:effectRef>
+          <a:fontRef idx="minor">
+            <a:schemeClr val="tx1"/>
+          </a:fontRef>
+        </p:style>
+      </p:cxnSp>
+      <p:sp>
+        <p:nvSpPr>
+          <p:cNvPr id="14" name="文本框 13"/>
+          <p:cNvSpPr txBox="1"/>
+          <p:nvPr/>
+        </p:nvSpPr>
+        <p:spPr>
+          <a:xfrm>
+            <a:off x="783771" y="705394"/>
+            <a:ext cx="1800493" cy="369332"/>
+          </a:xfrm>
+          <a:prstGeom prst="rect">
+            <a:avLst/>
+          </a:prstGeom>
+          <a:noFill/>
+        </p:spPr>
+        <p:txBody>
+          <a:bodyPr wrap="none" rtlCol="0">
+            <a:spAutoFit/>
+          </a:bodyPr>
+          <a:lstStyle/>
+          <a:p>
+            <a:r>
+              <a:rPr lang="zh-CN" altLang="en-US" dirty="0" smtClean="0"/>
+              <a:t>编码及解码函数</a:t>
+            </a:r>
+            <a:endParaRPr lang="zh-CN" altLang="en-US" dirty="0"/>
+          </a:p>
+        </p:txBody>
+      </p:sp>
+    </p:spTree>
+    <p:extLst>
+      <p:ext uri="{BB962C8B-B14F-4D97-AF65-F5344CB8AC3E}">
+        <p14:creationId xmlns:p14="http://schemas.microsoft.com/office/powerpoint/2010/main" val="415883551"/>
+      </p:ext>
+    </p:extLst>
+  </p:cSld>
+  <p:clrMapOvr>
+    <a:masterClrMapping/>
+  </p:clrMapOvr>
+  <p:timing>
+    <p:tnLst>
+      <p:par>
+        <p:cTn id="1" dur="indefinite" restart="never" nodeType="tmRoot"/>
+      </p:par>
+    </p:tnLst>
+  </p:timing>
+</p:sld>
+</file>
+
+<file path=ppt/slides/slide13.xml><?xml version="1.0" encoding="utf-8"?>
+<p:sld xmlns:a="http://schemas.openxmlformats.org/drawingml/2006/main" xmlns:r="http://schemas.openxmlformats.org/officeDocument/2006/relationships" xmlns:p="http://schemas.openxmlformats.org/presentationml/2006/main">
+  <p:cSld>
+    <p:spTree>
+      <p:nvGrpSpPr>
+        <p:cNvPr id="1" name=""/>
+        <p:cNvGrpSpPr/>
+        <p:nvPr/>
+      </p:nvGrpSpPr>
+      <p:grpSpPr>
+        <a:xfrm>
+          <a:off x="0" y="0"/>
+          <a:ext cx="0" cy="0"/>
+          <a:chOff x="0" y="0"/>
+          <a:chExt cx="0" cy="0"/>
+        </a:xfrm>
+      </p:grpSpPr>
       <p:sp>
         <p:nvSpPr>
           <p:cNvPr id="2" name="标题 1"/>
@@ -3613,7 +3732,7 @@
 </p:sld>
 </file>
 
-<file path=ppt/slides/slide13.xml><?xml version="1.0" encoding="utf-8"?>
+<file path=ppt/slides/slide14.xml><?xml version="1.0" encoding="utf-8"?>
 <p:sld xmlns:a="http://schemas.openxmlformats.org/drawingml/2006/main" xmlns:r="http://schemas.openxmlformats.org/officeDocument/2006/relationships" xmlns:p="http://schemas.openxmlformats.org/presentationml/2006/main">
   <p:cSld>
     <p:spTree>
@@ -3773,8 +3892,8 @@
           </a:p>
         </p:txBody>
       </p:sp>
-      <mc:AlternateContent xmlns:mc="http://schemas.openxmlformats.org/markup-compatibility/2006">
-        <mc:Choice xmlns:a14="http://schemas.microsoft.com/office/drawing/2010/main" Requires="a14">
+      <mc:AlternateContent xmlns:mc="http://schemas.openxmlformats.org/markup-compatibility/2006" xmlns:a14="http://schemas.microsoft.com/office/drawing/2010/main">
+        <mc:Choice Requires="a14">
           <p:sp>
             <p:nvSpPr>
               <p:cNvPr id="3" name="内容占位符 2"/>
@@ -3845,11 +3964,7 @@
               <a:p>
                 <a:r>
                   <a:rPr lang="en-US" altLang="zh-CN" dirty="0" err="1" smtClean="0"/>
-                  <a:t>P</a:t>
-                </a:r>
-                <a:r>
-                  <a:rPr lang="en-US" altLang="zh-CN" dirty="0" err="1" smtClean="0"/>
-                  <a:t>hong</a:t>
+                  <a:t>Phong</a:t>
                 </a:r>
                 <a:r>
                   <a:rPr lang="en-US" altLang="zh-CN" dirty="0" smtClean="0"/>
@@ -4166,7 +4281,7 @@
             </p:txBody>
           </p:sp>
         </mc:Choice>
-        <mc:Fallback>
+        <mc:Fallback xmlns="">
           <p:sp>
             <p:nvSpPr>
               <p:cNvPr id="3" name="内容占位符 2"/>
@@ -5168,10 +5283,28 @@
         </p:nvSpPr>
         <p:spPr/>
         <p:txBody>
-          <a:bodyPr/>
-          <a:lstStyle/>
-          <a:p>
-            <a:endParaRPr lang="zh-CN" altLang="en-US"/>
+          <a:bodyPr>
+            <a:normAutofit/>
+          </a:bodyPr>
+          <a:lstStyle/>
+          <a:p>
+            <a:r>
+              <a:rPr lang="zh-CN" altLang="en-US" b="1" dirty="0"/>
+              <a:t>微表面分布函数</a:t>
+            </a:r>
+            <a:r>
+              <a:rPr lang="zh-CN" altLang="en-US" sz="2800" b="1" dirty="0"/>
+              <a:t>（</a:t>
+            </a:r>
+            <a:r>
+              <a:rPr lang="en-US" altLang="zh-CN" sz="2800" b="1" dirty="0"/>
+              <a:t>Normal Distribution </a:t>
+            </a:r>
+            <a:r>
+              <a:rPr lang="en-US" altLang="zh-CN" sz="2800" b="1" dirty="0" smtClean="0"/>
+              <a:t>Function)</a:t>
+            </a:r>
+            <a:endParaRPr lang="zh-CN" altLang="en-US" sz="2800" dirty="0"/>
           </a:p>
         </p:txBody>
       </p:sp>
@@ -5190,10 +5323,79 @@
           <a:bodyPr/>
           <a:lstStyle/>
           <a:p>
-            <a:endParaRPr lang="zh-CN" altLang="en-US"/>
-          </a:p>
-        </p:txBody>
-      </p:sp>
+            <a:r>
+              <a:rPr lang="en-US" altLang="zh-CN" dirty="0" smtClean="0"/>
+              <a:t>GGX</a:t>
+            </a:r>
+            <a:endParaRPr lang="zh-CN" altLang="en-US" dirty="0"/>
+          </a:p>
+        </p:txBody>
+      </p:sp>
+      <p:pic>
+        <p:nvPicPr>
+          <p:cNvPr id="4" name="图片 3"/>
+          <p:cNvPicPr>
+            <a:picLocks noChangeAspect="1"/>
+          </p:cNvPicPr>
+          <p:nvPr/>
+        </p:nvPicPr>
+        <p:blipFill>
+          <a:blip r:embed="rId2"/>
+          <a:stretch>
+            <a:fillRect/>
+          </a:stretch>
+        </p:blipFill>
+        <p:spPr>
+          <a:xfrm>
+            <a:off x="2053046" y="1690688"/>
+            <a:ext cx="4856117" cy="4907004"/>
+          </a:xfrm>
+          <a:prstGeom prst="rect">
+            <a:avLst/>
+          </a:prstGeom>
+        </p:spPr>
+      </p:pic>
+      <p:pic>
+        <p:nvPicPr>
+          <p:cNvPr id="1026" name="Picture 2" descr="http://www.resetoter.cn/wp-content/uploads/2018/05/img_5af4652d986f1.png"/>
+          <p:cNvPicPr>
+            <a:picLocks noChangeAspect="1" noChangeArrowheads="1"/>
+          </p:cNvPicPr>
+          <p:nvPr/>
+        </p:nvPicPr>
+        <p:blipFill>
+          <a:blip r:embed="rId3">
+            <a:extLst>
+              <a:ext uri="{28A0092B-C50C-407E-A947-70E740481C1C}">
+                <a14:useLocalDpi xmlns:a14="http://schemas.microsoft.com/office/drawing/2010/main" val="0"/>
+              </a:ext>
+            </a:extLst>
+          </a:blip>
+          <a:srcRect/>
+          <a:stretch>
+            <a:fillRect/>
+          </a:stretch>
+        </p:blipFill>
+        <p:spPr bwMode="auto">
+          <a:xfrm>
+            <a:off x="7022462" y="1825625"/>
+            <a:ext cx="4636138" cy="4875939"/>
+          </a:xfrm>
+          <a:prstGeom prst="rect">
+            <a:avLst/>
+          </a:prstGeom>
+          <a:noFill/>
+          <a:extLst>
+            <a:ext uri="{909E8E84-426E-40DD-AFC4-6F175D3DCCD1}">
+              <a14:hiddenFill xmlns:a14="http://schemas.microsoft.com/office/drawing/2010/main">
+                <a:solidFill>
+                  <a:srgbClr val="FFFFFF"/>
+                </a:solidFill>
+              </a14:hiddenFill>
+            </a:ext>
+          </a:extLst>
+        </p:spPr>
+      </p:pic>
     </p:spTree>
     <p:extLst>
       <p:ext uri="{BB962C8B-B14F-4D97-AF65-F5344CB8AC3E}">
@@ -5233,176 +5435,141 @@
       </p:grpSpPr>
       <p:sp>
         <p:nvSpPr>
-          <p:cNvPr id="4" name="矩形 3"/>
-          <p:cNvSpPr/>
+          <p:cNvPr id="2" name="标题 1"/>
+          <p:cNvSpPr>
+            <a:spLocks noGrp="1"/>
+          </p:cNvSpPr>
+          <p:nvPr>
+            <p:ph type="title"/>
+          </p:nvPr>
+        </p:nvSpPr>
+        <p:spPr/>
+        <p:txBody>
+          <a:bodyPr/>
+          <a:lstStyle/>
+          <a:p>
+            <a:endParaRPr lang="zh-CN" altLang="en-US"/>
+          </a:p>
+        </p:txBody>
+      </p:sp>
+      <p:sp>
+        <p:nvSpPr>
+          <p:cNvPr id="3" name="内容占位符 2"/>
+          <p:cNvSpPr>
+            <a:spLocks noGrp="1"/>
+          </p:cNvSpPr>
+          <p:nvPr>
+            <p:ph idx="1"/>
+          </p:nvPr>
+        </p:nvSpPr>
+        <p:spPr/>
+        <p:txBody>
+          <a:bodyPr/>
+          <a:lstStyle/>
+          <a:p>
+            <a:endParaRPr lang="zh-CN" altLang="en-US"/>
+          </a:p>
+        </p:txBody>
+      </p:sp>
+      <p:pic>
+        <p:nvPicPr>
+          <p:cNvPr id="4" name="图片 3"/>
+          <p:cNvPicPr>
+            <a:picLocks noChangeAspect="1"/>
+          </p:cNvPicPr>
           <p:nvPr/>
-        </p:nvSpPr>
+        </p:nvPicPr>
+        <p:blipFill>
+          <a:blip r:embed="rId2"/>
+          <a:stretch>
+            <a:fillRect/>
+          </a:stretch>
+        </p:blipFill>
         <p:spPr>
           <a:xfrm>
-            <a:off x="590026" y="789176"/>
-            <a:ext cx="10939243" cy="3693319"/>
+            <a:off x="528638" y="888682"/>
+            <a:ext cx="5610225" cy="5648325"/>
           </a:xfrm>
           <a:prstGeom prst="rect">
             <a:avLst/>
           </a:prstGeom>
         </p:spPr>
-        <p:txBody>
-          <a:bodyPr wrap="square">
-            <a:spAutoFit/>
-          </a:bodyPr>
-          <a:lstStyle/>
-          <a:p>
-            <a:r>
-              <a:rPr lang="zh-CN" altLang="en-US" dirty="0"/>
-              <a:t>unity分为两部分来做，一个是迪斯尼漫反射，还有一个是兰伯特漫反射，兰伯特漫反射更节省一些，效果并每有太大的差异迪斯尼漫反射</a:t>
-            </a:r>
-            <a:r>
-              <a:rPr lang="zh-CN" altLang="en-US" dirty="0" smtClean="0"/>
-              <a:t>：</a:t>
-            </a:r>
-            <a:endParaRPr lang="en-US" altLang="zh-CN" dirty="0" smtClean="0"/>
-          </a:p>
-          <a:p>
-            <a:r>
-              <a:rPr lang="zh-CN" altLang="en-US" dirty="0" smtClean="0"/>
-              <a:t>half </a:t>
-            </a:r>
-            <a:r>
-              <a:rPr lang="zh-CN" altLang="en-US" dirty="0"/>
-              <a:t>DisneyDiffuse(half NdotV, half NdotL, half LdotH, half perceptualRoughness</a:t>
-            </a:r>
-            <a:r>
-              <a:rPr lang="zh-CN" altLang="en-US" dirty="0" smtClean="0"/>
-              <a:t>)</a:t>
-            </a:r>
-            <a:endParaRPr lang="en-US" altLang="zh-CN" dirty="0" smtClean="0"/>
-          </a:p>
-          <a:p>
-            <a:r>
-              <a:rPr lang="zh-CN" altLang="en-US" dirty="0" smtClean="0"/>
-              <a:t>{    </a:t>
-            </a:r>
-            <a:endParaRPr lang="en-US" altLang="zh-CN" dirty="0" smtClean="0"/>
-          </a:p>
-          <a:p>
-            <a:r>
-              <a:rPr lang="zh-CN" altLang="en-US" dirty="0" smtClean="0"/>
-              <a:t>half </a:t>
-            </a:r>
-            <a:r>
-              <a:rPr lang="zh-CN" altLang="en-US" dirty="0"/>
-              <a:t>fd90 = 0.5 + 2 * LdotH * LdotH * perceptualRoughness;    </a:t>
-            </a:r>
-            <a:endParaRPr lang="en-US" altLang="zh-CN" dirty="0" smtClean="0"/>
-          </a:p>
-          <a:p>
-            <a:r>
-              <a:rPr lang="zh-CN" altLang="en-US" dirty="0" smtClean="0"/>
-              <a:t>half </a:t>
-            </a:r>
-            <a:r>
-              <a:rPr lang="zh-CN" altLang="en-US" dirty="0"/>
-              <a:t>lightScatter   = (1 + (fd90 - 1) * Pow5(1 - NdotL));    </a:t>
-            </a:r>
-            <a:endParaRPr lang="en-US" altLang="zh-CN" dirty="0" smtClean="0"/>
-          </a:p>
-          <a:p>
-            <a:r>
-              <a:rPr lang="zh-CN" altLang="en-US" dirty="0" smtClean="0"/>
-              <a:t>half </a:t>
-            </a:r>
-            <a:r>
-              <a:rPr lang="zh-CN" altLang="en-US" dirty="0"/>
-              <a:t>viewScatter    = (1 + (fd90 - 1) * Pow5(1 - NdotV));    </a:t>
-            </a:r>
-            <a:endParaRPr lang="en-US" altLang="zh-CN" dirty="0" smtClean="0"/>
-          </a:p>
-          <a:p>
-            <a:r>
-              <a:rPr lang="zh-CN" altLang="en-US" dirty="0" smtClean="0"/>
-              <a:t>return </a:t>
-            </a:r>
-            <a:r>
-              <a:rPr lang="zh-CN" altLang="en-US" dirty="0"/>
-              <a:t>lightScatter * viewScatter</a:t>
-            </a:r>
-            <a:r>
-              <a:rPr lang="zh-CN" altLang="en-US" dirty="0" smtClean="0"/>
-              <a:t>;</a:t>
-            </a:r>
-            <a:endParaRPr lang="en-US" altLang="zh-CN" dirty="0" smtClean="0"/>
-          </a:p>
-          <a:p>
-            <a:r>
-              <a:rPr lang="zh-CN" altLang="en-US" dirty="0" smtClean="0"/>
-              <a:t>}</a:t>
-            </a:r>
-            <a:endParaRPr lang="en-US" altLang="zh-CN" dirty="0" smtClean="0"/>
-          </a:p>
-          <a:p>
-            <a:r>
-              <a:rPr lang="zh-CN" altLang="en-US" dirty="0" smtClean="0"/>
-              <a:t>那么</a:t>
-            </a:r>
-            <a:r>
-              <a:rPr lang="zh-CN" altLang="en-US" dirty="0"/>
-              <a:t>得出的结果就是</a:t>
-            </a:r>
-            <a:r>
-              <a:rPr lang="zh-CN" altLang="en-US" dirty="0" smtClean="0"/>
-              <a:t>：</a:t>
-            </a:r>
-            <a:endParaRPr lang="en-US" altLang="zh-CN" dirty="0" smtClean="0"/>
-          </a:p>
-          <a:p>
-            <a:r>
-              <a:rPr lang="zh-CN" altLang="en-US" dirty="0" smtClean="0"/>
-              <a:t>directDiffuse </a:t>
-            </a:r>
-            <a:r>
-              <a:rPr lang="zh-CN" altLang="en-US" dirty="0"/>
-              <a:t>= lightScatter * viewScatter </a:t>
-            </a:r>
-            <a:r>
-              <a:rPr lang="zh-CN" altLang="en-US" dirty="0" smtClean="0"/>
-              <a:t>;</a:t>
-            </a:r>
-            <a:endParaRPr lang="en-US" altLang="zh-CN" dirty="0" smtClean="0"/>
-          </a:p>
-          <a:p>
-            <a:r>
-              <a:rPr lang="zh-CN" altLang="en-US" dirty="0" smtClean="0"/>
-              <a:t>这个</a:t>
-            </a:r>
-            <a:r>
-              <a:rPr lang="zh-CN" altLang="en-US" dirty="0"/>
-              <a:t>函数计算的结果 还需要 *NdotL*atten*LightColor,而的出来的结果其实就是漫反射系数 ，比lanbert好的一点 ，是随着粗造度的变化，效果稍有变化。directDiffuse *=  NdotL * attenColor</a:t>
-            </a:r>
-            <a:r>
-              <a:rPr lang="zh-CN" altLang="en-US" dirty="0" smtClean="0"/>
-              <a:t>;</a:t>
-            </a:r>
-            <a:endParaRPr lang="zh-CN" altLang="en-US" dirty="0"/>
-          </a:p>
-        </p:txBody>
-      </p:sp>
+      </p:pic>
+      <p:pic>
+        <p:nvPicPr>
+          <p:cNvPr id="2050" name="Picture 2" descr="http://www.resetoter.cn/wp-content/uploads/2018/05/img_5af463cba2189.png"/>
+          <p:cNvPicPr>
+            <a:picLocks noChangeAspect="1" noChangeArrowheads="1"/>
+          </p:cNvPicPr>
+          <p:nvPr/>
+        </p:nvPicPr>
+        <p:blipFill>
+          <a:blip r:embed="rId3">
+            <a:extLst>
+              <a:ext uri="{28A0092B-C50C-407E-A947-70E740481C1C}">
+                <a14:useLocalDpi xmlns:a14="http://schemas.microsoft.com/office/drawing/2010/main" val="0"/>
+              </a:ext>
+            </a:extLst>
+          </a:blip>
+          <a:srcRect/>
+          <a:stretch>
+            <a:fillRect/>
+          </a:stretch>
+        </p:blipFill>
+        <p:spPr bwMode="auto">
+          <a:xfrm>
+            <a:off x="6547758" y="1047749"/>
+            <a:ext cx="5524500" cy="5810251"/>
+          </a:xfrm>
+          <a:prstGeom prst="rect">
+            <a:avLst/>
+          </a:prstGeom>
+          <a:noFill/>
+          <a:extLst>
+            <a:ext uri="{909E8E84-426E-40DD-AFC4-6F175D3DCCD1}">
+              <a14:hiddenFill xmlns:a14="http://schemas.microsoft.com/office/drawing/2010/main">
+                <a:solidFill>
+                  <a:srgbClr val="FFFFFF"/>
+                </a:solidFill>
+              </a14:hiddenFill>
+            </a:ext>
+          </a:extLst>
+        </p:spPr>
+      </p:pic>
+      <p:pic>
+        <p:nvPicPr>
+          <p:cNvPr id="5" name="图片 4"/>
+          <p:cNvPicPr>
+            <a:picLocks noChangeAspect="1"/>
+          </p:cNvPicPr>
+          <p:nvPr/>
+        </p:nvPicPr>
+        <p:blipFill>
+          <a:blip r:embed="rId4"/>
+          <a:stretch>
+            <a:fillRect/>
+          </a:stretch>
+        </p:blipFill>
+        <p:spPr>
+          <a:xfrm>
+            <a:off x="700087" y="1164907"/>
+            <a:ext cx="5267325" cy="5372100"/>
+          </a:xfrm>
+          <a:prstGeom prst="rect">
+            <a:avLst/>
+          </a:prstGeom>
+        </p:spPr>
+      </p:pic>
     </p:spTree>
     <p:extLst>
       <p:ext uri="{BB962C8B-B14F-4D97-AF65-F5344CB8AC3E}">
-        <p14:creationId xmlns:p14="http://schemas.microsoft.com/office/powerpoint/2010/main" val="2038946885"/>
+        <p14:creationId xmlns:p14="http://schemas.microsoft.com/office/powerpoint/2010/main" val="2827570277"/>
       </p:ext>
     </p:extLst>
   </p:cSld>
   <p:clrMapOvr>
     <a:masterClrMapping/>
   </p:clrMapOvr>
-  <p:timing>
-    <p:tnLst>
-      <p:par>
-        <p:cTn id="1" dur="indefinite" restart="never" nodeType="tmRoot"/>
-      </p:par>
-    </p:tnLst>
-  </p:timing>
 </p:sld>
 </file>
 
@@ -5425,141 +5592,163 @@
       </p:grpSpPr>
       <p:sp>
         <p:nvSpPr>
-          <p:cNvPr id="2" name="标题 1"/>
-          <p:cNvSpPr>
-            <a:spLocks noGrp="1"/>
-          </p:cNvSpPr>
-          <p:nvPr>
-            <p:ph type="title"/>
-          </p:nvPr>
+          <p:cNvPr id="4" name="矩形 3"/>
+          <p:cNvSpPr/>
+          <p:nvPr/>
         </p:nvSpPr>
         <p:spPr>
           <a:xfrm>
-            <a:off x="838200" y="458015"/>
-            <a:ext cx="10515600" cy="1325563"/>
-          </a:xfrm>
-        </p:spPr>
-        <p:txBody>
-          <a:bodyPr/>
-          <a:lstStyle/>
-          <a:p>
-            <a:r>
-              <a:rPr lang="zh-CN" altLang="en-US" dirty="0"/>
-              <a:t>球</a:t>
-            </a:r>
-            <a:r>
-              <a:rPr lang="zh-CN" altLang="en-US" dirty="0" smtClean="0"/>
-              <a:t>谐光照</a:t>
-            </a:r>
-            <a:endParaRPr lang="zh-CN" altLang="en-US" dirty="0"/>
-          </a:p>
-        </p:txBody>
-      </p:sp>
-      <p:sp>
-        <p:nvSpPr>
-          <p:cNvPr id="3" name="内容占位符 2"/>
-          <p:cNvSpPr>
-            <a:spLocks noGrp="1"/>
-          </p:cNvSpPr>
-          <p:nvPr>
-            <p:ph idx="1"/>
-          </p:nvPr>
-        </p:nvSpPr>
-        <p:spPr/>
-        <p:txBody>
-          <a:bodyPr/>
-          <a:lstStyle/>
-          <a:p>
-            <a:r>
-              <a:rPr lang="zh-CN" altLang="en-US" dirty="0" smtClean="0"/>
-              <a:t>类似</a:t>
-            </a:r>
-            <a:r>
-              <a:rPr lang="en-US" altLang="zh-CN" dirty="0" smtClean="0"/>
-              <a:t>3</a:t>
-            </a:r>
-            <a:r>
-              <a:rPr lang="zh-CN" altLang="en-US" dirty="0" smtClean="0"/>
-              <a:t>维的傅里叶变化</a:t>
-            </a:r>
-            <a:endParaRPr lang="en-US" altLang="zh-CN" dirty="0" smtClean="0"/>
-          </a:p>
-          <a:p>
-            <a:r>
-              <a:rPr lang="zh-CN" altLang="en-US" dirty="0" smtClean="0"/>
-              <a:t>本质是一种压缩方式</a:t>
-            </a:r>
-            <a:endParaRPr lang="zh-CN" altLang="en-US" dirty="0"/>
-          </a:p>
-        </p:txBody>
-      </p:sp>
-      <p:pic>
-        <p:nvPicPr>
-          <p:cNvPr id="1026" name="Picture 2" descr="preview"/>
-          <p:cNvPicPr>
-            <a:picLocks noChangeAspect="1" noChangeArrowheads="1"/>
-          </p:cNvPicPr>
-          <p:nvPr/>
-        </p:nvPicPr>
-        <p:blipFill rotWithShape="1">
-          <a:blip r:embed="rId2">
-            <a:extLst>
-              <a:ext uri="{28A0092B-C50C-407E-A947-70E740481C1C}">
-                <a14:useLocalDpi xmlns:a14="http://schemas.microsoft.com/office/drawing/2010/main" val="0"/>
-              </a:ext>
-            </a:extLst>
-          </a:blip>
-          <a:srcRect r="17641"/>
-          <a:stretch/>
-        </p:blipFill>
-        <p:spPr bwMode="auto">
-          <a:xfrm>
-            <a:off x="-117446" y="3498056"/>
-            <a:ext cx="5506994" cy="3019425"/>
+            <a:off x="590026" y="789176"/>
+            <a:ext cx="10939243" cy="3693319"/>
           </a:xfrm>
           <a:prstGeom prst="rect">
             <a:avLst/>
           </a:prstGeom>
-          <a:noFill/>
-          <a:extLst>
-            <a:ext uri="{909E8E84-426E-40DD-AFC4-6F175D3DCCD1}">
-              <a14:hiddenFill xmlns:a14="http://schemas.microsoft.com/office/drawing/2010/main">
-                <a:solidFill>
-                  <a:srgbClr val="FFFFFF"/>
-                </a:solidFill>
-              </a14:hiddenFill>
-            </a:ext>
-          </a:extLst>
-        </p:spPr>
-      </p:pic>
-      <p:pic>
-        <p:nvPicPr>
-          <p:cNvPr id="4" name="图片 3"/>
-          <p:cNvPicPr>
-            <a:picLocks noChangeAspect="1"/>
-          </p:cNvPicPr>
-          <p:nvPr/>
-        </p:nvPicPr>
-        <p:blipFill>
-          <a:blip r:embed="rId3"/>
-          <a:stretch>
-            <a:fillRect/>
-          </a:stretch>
-        </p:blipFill>
-        <p:spPr>
-          <a:xfrm>
-            <a:off x="5302776" y="3299669"/>
-            <a:ext cx="6650173" cy="3558331"/>
-          </a:xfrm>
-          <a:prstGeom prst="rect">
-            <a:avLst/>
-          </a:prstGeom>
-        </p:spPr>
-      </p:pic>
+        </p:spPr>
+        <p:txBody>
+          <a:bodyPr wrap="square">
+            <a:spAutoFit/>
+          </a:bodyPr>
+          <a:lstStyle/>
+          <a:p>
+            <a:r>
+              <a:rPr lang="zh-CN" altLang="en-US" dirty="0"/>
+              <a:t>unity分为两部分来做，一个是迪斯尼漫反射，还有一个是兰伯特漫反射，兰伯特漫反射更节省一些，效果并每有太大的差异迪斯尼漫反射</a:t>
+            </a:r>
+            <a:r>
+              <a:rPr lang="zh-CN" altLang="en-US" dirty="0" smtClean="0"/>
+              <a:t>：</a:t>
+            </a:r>
+            <a:endParaRPr lang="en-US" altLang="zh-CN" dirty="0" smtClean="0"/>
+          </a:p>
+          <a:p>
+            <a:r>
+              <a:rPr lang="zh-CN" altLang="en-US" dirty="0" smtClean="0"/>
+              <a:t>half </a:t>
+            </a:r>
+            <a:r>
+              <a:rPr lang="zh-CN" altLang="en-US" dirty="0"/>
+              <a:t>DisneyDiffuse(half NdotV, half NdotL, half LdotH, half perceptualRoughness</a:t>
+            </a:r>
+            <a:r>
+              <a:rPr lang="zh-CN" altLang="en-US" dirty="0" smtClean="0"/>
+              <a:t>)</a:t>
+            </a:r>
+            <a:endParaRPr lang="en-US" altLang="zh-CN" dirty="0" smtClean="0"/>
+          </a:p>
+          <a:p>
+            <a:r>
+              <a:rPr lang="zh-CN" altLang="en-US" dirty="0" smtClean="0"/>
+              <a:t>{    </a:t>
+            </a:r>
+            <a:endParaRPr lang="en-US" altLang="zh-CN" dirty="0" smtClean="0"/>
+          </a:p>
+          <a:p>
+            <a:r>
+              <a:rPr lang="zh-CN" altLang="en-US" dirty="0" smtClean="0"/>
+              <a:t>half </a:t>
+            </a:r>
+            <a:r>
+              <a:rPr lang="zh-CN" altLang="en-US" dirty="0"/>
+              <a:t>fd90 = 0.5 + 2 * LdotH * LdotH * perceptualRoughness;    </a:t>
+            </a:r>
+            <a:endParaRPr lang="en-US" altLang="zh-CN" dirty="0" smtClean="0"/>
+          </a:p>
+          <a:p>
+            <a:r>
+              <a:rPr lang="zh-CN" altLang="en-US" dirty="0" smtClean="0"/>
+              <a:t>half </a:t>
+            </a:r>
+            <a:r>
+              <a:rPr lang="zh-CN" altLang="en-US" dirty="0"/>
+              <a:t>lightScatter   = (1 + (fd90 - 1) * Pow5(1 - NdotL));    </a:t>
+            </a:r>
+            <a:endParaRPr lang="en-US" altLang="zh-CN" dirty="0" smtClean="0"/>
+          </a:p>
+          <a:p>
+            <a:r>
+              <a:rPr lang="zh-CN" altLang="en-US" dirty="0" smtClean="0"/>
+              <a:t>half </a:t>
+            </a:r>
+            <a:r>
+              <a:rPr lang="zh-CN" altLang="en-US" dirty="0"/>
+              <a:t>viewScatter    = (1 + (fd90 - 1) * Pow5(1 - NdotV));    </a:t>
+            </a:r>
+            <a:endParaRPr lang="en-US" altLang="zh-CN" dirty="0" smtClean="0"/>
+          </a:p>
+          <a:p>
+            <a:r>
+              <a:rPr lang="zh-CN" altLang="en-US" dirty="0" smtClean="0"/>
+              <a:t>return </a:t>
+            </a:r>
+            <a:r>
+              <a:rPr lang="zh-CN" altLang="en-US" dirty="0"/>
+              <a:t>lightScatter * viewScatter</a:t>
+            </a:r>
+            <a:r>
+              <a:rPr lang="zh-CN" altLang="en-US" dirty="0" smtClean="0"/>
+              <a:t>;</a:t>
+            </a:r>
+            <a:endParaRPr lang="en-US" altLang="zh-CN" dirty="0" smtClean="0"/>
+          </a:p>
+          <a:p>
+            <a:r>
+              <a:rPr lang="zh-CN" altLang="en-US" dirty="0" smtClean="0"/>
+              <a:t>}</a:t>
+            </a:r>
+            <a:endParaRPr lang="en-US" altLang="zh-CN" dirty="0" smtClean="0"/>
+          </a:p>
+          <a:p>
+            <a:r>
+              <a:rPr lang="zh-CN" altLang="en-US" dirty="0" smtClean="0"/>
+              <a:t>那么</a:t>
+            </a:r>
+            <a:r>
+              <a:rPr lang="zh-CN" altLang="en-US" dirty="0"/>
+              <a:t>得出的结果就是</a:t>
+            </a:r>
+            <a:r>
+              <a:rPr lang="zh-CN" altLang="en-US" dirty="0" smtClean="0"/>
+              <a:t>：</a:t>
+            </a:r>
+            <a:endParaRPr lang="en-US" altLang="zh-CN" dirty="0" smtClean="0"/>
+          </a:p>
+          <a:p>
+            <a:r>
+              <a:rPr lang="zh-CN" altLang="en-US" dirty="0" smtClean="0"/>
+              <a:t>directDiffuse </a:t>
+            </a:r>
+            <a:r>
+              <a:rPr lang="zh-CN" altLang="en-US" dirty="0"/>
+              <a:t>= lightScatter * viewScatter </a:t>
+            </a:r>
+            <a:r>
+              <a:rPr lang="zh-CN" altLang="en-US" dirty="0" smtClean="0"/>
+              <a:t>;</a:t>
+            </a:r>
+            <a:endParaRPr lang="en-US" altLang="zh-CN" dirty="0" smtClean="0"/>
+          </a:p>
+          <a:p>
+            <a:r>
+              <a:rPr lang="zh-CN" altLang="en-US" dirty="0" smtClean="0"/>
+              <a:t>这个</a:t>
+            </a:r>
+            <a:r>
+              <a:rPr lang="zh-CN" altLang="en-US" dirty="0"/>
+              <a:t>函数计算的结果 还需要 *NdotL*atten*LightColor,而的出来的结果其实就是漫反射系数 ，比lanbert好的一点 ，是随着粗造度的变化，效果稍有变化。directDiffuse *=  NdotL * attenColor</a:t>
+            </a:r>
+            <a:r>
+              <a:rPr lang="zh-CN" altLang="en-US" dirty="0" smtClean="0"/>
+              <a:t>;</a:t>
+            </a:r>
+            <a:endParaRPr lang="zh-CN" altLang="en-US" dirty="0"/>
+          </a:p>
+        </p:txBody>
+      </p:sp>
     </p:spTree>
     <p:extLst>
       <p:ext uri="{BB962C8B-B14F-4D97-AF65-F5344CB8AC3E}">
-        <p14:creationId xmlns:p14="http://schemas.microsoft.com/office/powerpoint/2010/main" val="2172661144"/>
+        <p14:creationId xmlns:p14="http://schemas.microsoft.com/office/powerpoint/2010/main" val="2038946885"/>
       </p:ext>
     </p:extLst>
   </p:cSld>
@@ -5603,23 +5792,105 @@
             <p:ph type="title"/>
           </p:nvPr>
         </p:nvSpPr>
+        <p:spPr>
+          <a:xfrm>
+            <a:off x="838200" y="458015"/>
+            <a:ext cx="10515600" cy="1325563"/>
+          </a:xfrm>
+        </p:spPr>
+        <p:txBody>
+          <a:bodyPr/>
+          <a:lstStyle/>
+          <a:p>
+            <a:r>
+              <a:rPr lang="zh-CN" altLang="en-US" dirty="0"/>
+              <a:t>球</a:t>
+            </a:r>
+            <a:r>
+              <a:rPr lang="zh-CN" altLang="en-US" dirty="0" smtClean="0"/>
+              <a:t>谐光照</a:t>
+            </a:r>
+            <a:endParaRPr lang="zh-CN" altLang="en-US" dirty="0"/>
+          </a:p>
+        </p:txBody>
+      </p:sp>
+      <p:sp>
+        <p:nvSpPr>
+          <p:cNvPr id="3" name="内容占位符 2"/>
+          <p:cNvSpPr>
+            <a:spLocks noGrp="1"/>
+          </p:cNvSpPr>
+          <p:nvPr>
+            <p:ph idx="1"/>
+          </p:nvPr>
+        </p:nvSpPr>
         <p:spPr/>
         <p:txBody>
           <a:bodyPr/>
           <a:lstStyle/>
           <a:p>
             <a:r>
+              <a:rPr lang="zh-CN" altLang="en-US" dirty="0" smtClean="0"/>
+              <a:t>类似</a:t>
+            </a:r>
+            <a:r>
               <a:rPr lang="en-US" altLang="zh-CN" dirty="0" smtClean="0"/>
-              <a:t>Fresnel </a:t>
+              <a:t>3</a:t>
             </a:r>
             <a:r>
               <a:rPr lang="zh-CN" altLang="en-US" dirty="0" smtClean="0"/>
-              <a:t>菲涅尔方程</a:t>
+              <a:t>维的傅里叶变化</a:t>
+            </a:r>
+            <a:endParaRPr lang="en-US" altLang="zh-CN" dirty="0" smtClean="0"/>
+          </a:p>
+          <a:p>
+            <a:r>
+              <a:rPr lang="zh-CN" altLang="en-US" dirty="0" smtClean="0"/>
+              <a:t>本质是一种压缩方式</a:t>
             </a:r>
             <a:endParaRPr lang="zh-CN" altLang="en-US" dirty="0"/>
           </a:p>
         </p:txBody>
       </p:sp>
+      <p:pic>
+        <p:nvPicPr>
+          <p:cNvPr id="1026" name="Picture 2" descr="preview"/>
+          <p:cNvPicPr>
+            <a:picLocks noChangeAspect="1" noChangeArrowheads="1"/>
+          </p:cNvPicPr>
+          <p:nvPr/>
+        </p:nvPicPr>
+        <p:blipFill rotWithShape="1">
+          <a:blip r:embed="rId2">
+            <a:extLst>
+              <a:ext uri="{28A0092B-C50C-407E-A947-70E740481C1C}">
+                <a14:useLocalDpi xmlns:a14="http://schemas.microsoft.com/office/drawing/2010/main" val="0"/>
+              </a:ext>
+            </a:extLst>
+          </a:blip>
+          <a:srcRect r="17641"/>
+          <a:stretch/>
+        </p:blipFill>
+        <p:spPr bwMode="auto">
+          <a:xfrm>
+            <a:off x="-117446" y="3498056"/>
+            <a:ext cx="5506994" cy="3019425"/>
+          </a:xfrm>
+          <a:prstGeom prst="rect">
+            <a:avLst/>
+          </a:prstGeom>
+          <a:noFill/>
+          <a:extLst>
+            <a:ext uri="{909E8E84-426E-40DD-AFC4-6F175D3DCCD1}">
+              <a14:hiddenFill xmlns:a14="http://schemas.microsoft.com/office/drawing/2010/main">
+                <a:solidFill>
+                  <a:srgbClr val="FFFFFF"/>
+                </a:solidFill>
+              </a14:hiddenFill>
+            </a:ext>
+          </a:extLst>
+        </p:spPr>
+      </p:pic>
       <p:pic>
         <p:nvPicPr>
           <p:cNvPr id="4" name="图片 3"/>
@@ -5629,55 +5900,25 @@
           <p:nvPr/>
         </p:nvPicPr>
         <p:blipFill>
-          <a:blip r:embed="rId2"/>
+          <a:blip r:embed="rId3"/>
           <a:stretch>
             <a:fillRect/>
           </a:stretch>
         </p:blipFill>
         <p:spPr>
           <a:xfrm>
-            <a:off x="6467475" y="1141503"/>
-            <a:ext cx="5724525" cy="5610225"/>
+            <a:off x="5302776" y="3299669"/>
+            <a:ext cx="6650173" cy="3558331"/>
           </a:xfrm>
           <a:prstGeom prst="rect">
             <a:avLst/>
           </a:prstGeom>
         </p:spPr>
       </p:pic>
-      <p:sp>
-        <p:nvSpPr>
-          <p:cNvPr id="8" name="文本框 7"/>
-          <p:cNvSpPr txBox="1"/>
-          <p:nvPr/>
-        </p:nvSpPr>
-        <p:spPr>
-          <a:xfrm>
-            <a:off x="1031966" y="2808514"/>
-            <a:ext cx="1800493" cy="369332"/>
-          </a:xfrm>
-          <a:prstGeom prst="rect">
-            <a:avLst/>
-          </a:prstGeom>
-          <a:noFill/>
-        </p:spPr>
-        <p:txBody>
-          <a:bodyPr wrap="none" rtlCol="0">
-            <a:spAutoFit/>
-          </a:bodyPr>
-          <a:lstStyle/>
-          <a:p>
-            <a:r>
-              <a:rPr lang="zh-CN" altLang="en-US" dirty="0" smtClean="0"/>
-              <a:t>描述被反射光线</a:t>
-            </a:r>
-            <a:endParaRPr lang="zh-CN" altLang="en-US" dirty="0"/>
-          </a:p>
-        </p:txBody>
-      </p:sp>
     </p:spTree>
     <p:extLst>
       <p:ext uri="{BB962C8B-B14F-4D97-AF65-F5344CB8AC3E}">
-        <p14:creationId xmlns:p14="http://schemas.microsoft.com/office/powerpoint/2010/main" val="376425182"/>
+        <p14:creationId xmlns:p14="http://schemas.microsoft.com/office/powerpoint/2010/main" val="2172661144"/>
       </p:ext>
     </p:extLst>
   </p:cSld>
